--- a/ProjectPresentation.pptx
+++ b/ProjectPresentation.pptx
@@ -6,12 +6,19 @@
   </p:sldMasterIdLst>
   <p:sldIdLst>
     <p:sldId id="269" r:id="rId2"/>
-    <p:sldId id="258" r:id="rId3"/>
-    <p:sldId id="266" r:id="rId4"/>
-    <p:sldId id="259" r:id="rId5"/>
-    <p:sldId id="260" r:id="rId6"/>
-    <p:sldId id="261" r:id="rId7"/>
-    <p:sldId id="262" r:id="rId8"/>
+    <p:sldId id="278" r:id="rId3"/>
+    <p:sldId id="258" r:id="rId4"/>
+    <p:sldId id="280" r:id="rId5"/>
+    <p:sldId id="283" r:id="rId6"/>
+    <p:sldId id="271" r:id="rId7"/>
+    <p:sldId id="270" r:id="rId8"/>
+    <p:sldId id="272" r:id="rId9"/>
+    <p:sldId id="276" r:id="rId10"/>
+    <p:sldId id="281" r:id="rId11"/>
+    <p:sldId id="282" r:id="rId12"/>
+    <p:sldId id="273" r:id="rId13"/>
+    <p:sldId id="261" r:id="rId14"/>
+    <p:sldId id="262" r:id="rId15"/>
   </p:sldIdLst>
   <p:sldSz cx="12192000" cy="6858000"/>
   <p:notesSz cx="6858000" cy="9144000"/>
@@ -247,7 +254,7 @@
           <a:p>
             <a:fld id="{74B6BF73-F228-471B-B598-43591499228F}" type="datetimeFigureOut">
               <a:rPr lang="en-US" smtClean="0"/>
-              <a:t>11/20/2016</a:t>
+              <a:t>11/21/2016</a:t>
             </a:fld>
             <a:endParaRPr lang="en-US"/>
           </a:p>
@@ -422,7 +429,7 @@
           <a:p>
             <a:fld id="{74B6BF73-F228-471B-B598-43591499228F}" type="datetimeFigureOut">
               <a:rPr lang="en-US" smtClean="0"/>
-              <a:t>11/20/2016</a:t>
+              <a:t>11/21/2016</a:t>
             </a:fld>
             <a:endParaRPr lang="en-US"/>
           </a:p>
@@ -600,7 +607,7 @@
           <a:p>
             <a:fld id="{74B6BF73-F228-471B-B598-43591499228F}" type="datetimeFigureOut">
               <a:rPr lang="en-US" smtClean="0"/>
-              <a:t>11/20/2016</a:t>
+              <a:t>11/21/2016</a:t>
             </a:fld>
             <a:endParaRPr lang="en-US"/>
           </a:p>
@@ -825,7 +832,7 @@
           <a:p>
             <a:fld id="{74B6BF73-F228-471B-B598-43591499228F}" type="datetimeFigureOut">
               <a:rPr lang="en-US" smtClean="0"/>
-              <a:t>11/20/2016</a:t>
+              <a:t>11/21/2016</a:t>
             </a:fld>
             <a:endParaRPr lang="en-US"/>
           </a:p>
@@ -1077,7 +1084,7 @@
           <a:p>
             <a:fld id="{74B6BF73-F228-471B-B598-43591499228F}" type="datetimeFigureOut">
               <a:rPr lang="en-US" smtClean="0"/>
-              <a:t>11/20/2016</a:t>
+              <a:t>11/21/2016</a:t>
             </a:fld>
             <a:endParaRPr lang="en-US"/>
           </a:p>
@@ -1306,7 +1313,7 @@
           <a:p>
             <a:fld id="{74B6BF73-F228-471B-B598-43591499228F}" type="datetimeFigureOut">
               <a:rPr lang="en-US" smtClean="0"/>
-              <a:t>11/20/2016</a:t>
+              <a:t>11/21/2016</a:t>
             </a:fld>
             <a:endParaRPr lang="en-US"/>
           </a:p>
@@ -1670,7 +1677,7 @@
           <a:p>
             <a:fld id="{74B6BF73-F228-471B-B598-43591499228F}" type="datetimeFigureOut">
               <a:rPr lang="en-US" smtClean="0"/>
-              <a:t>11/20/2016</a:t>
+              <a:t>11/21/2016</a:t>
             </a:fld>
             <a:endParaRPr lang="en-US"/>
           </a:p>
@@ -1787,7 +1794,7 @@
           <a:p>
             <a:fld id="{74B6BF73-F228-471B-B598-43591499228F}" type="datetimeFigureOut">
               <a:rPr lang="en-US" smtClean="0"/>
-              <a:t>11/20/2016</a:t>
+              <a:t>11/21/2016</a:t>
             </a:fld>
             <a:endParaRPr lang="en-US"/>
           </a:p>
@@ -1882,7 +1889,7 @@
           <a:p>
             <a:fld id="{74B6BF73-F228-471B-B598-43591499228F}" type="datetimeFigureOut">
               <a:rPr lang="en-US" smtClean="0"/>
-              <a:t>11/20/2016</a:t>
+              <a:t>11/21/2016</a:t>
             </a:fld>
             <a:endParaRPr lang="en-US"/>
           </a:p>
@@ -2157,7 +2164,7 @@
           <a:p>
             <a:fld id="{74B6BF73-F228-471B-B598-43591499228F}" type="datetimeFigureOut">
               <a:rPr lang="en-US" smtClean="0"/>
-              <a:t>11/20/2016</a:t>
+              <a:t>11/21/2016</a:t>
             </a:fld>
             <a:endParaRPr lang="en-US"/>
           </a:p>
@@ -2409,7 +2416,7 @@
           <a:p>
             <a:fld id="{74B6BF73-F228-471B-B598-43591499228F}" type="datetimeFigureOut">
               <a:rPr lang="en-US" smtClean="0"/>
-              <a:t>11/20/2016</a:t>
+              <a:t>11/21/2016</a:t>
             </a:fld>
             <a:endParaRPr lang="en-US"/>
           </a:p>
@@ -2630,7 +2637,7 @@
           <a:p>
             <a:fld id="{74B6BF73-F228-471B-B598-43591499228F}" type="datetimeFigureOut">
               <a:rPr lang="en-US" smtClean="0"/>
-              <a:t>11/20/2016</a:t>
+              <a:t>11/21/2016</a:t>
             </a:fld>
             <a:endParaRPr lang="en-US"/>
           </a:p>
@@ -3115,12 +3122,12 @@
           </a:p>
           <a:p>
             <a:r>
-              <a:rPr lang="en-US" dirty="0" err="1"/>
-              <a:t>Gaurauv</a:t>
+              <a:rPr lang="en-US" dirty="0" smtClean="0"/>
+              <a:t>Gaurav </a:t>
             </a:r>
             <a:r>
               <a:rPr lang="en-US" dirty="0"/>
-              <a:t> Deshpande</a:t>
+              <a:t>Deshpande</a:t>
             </a:r>
           </a:p>
           <a:p>
@@ -3132,6 +3139,1256 @@
     <p:extLst>
       <p:ext uri="{BB962C8B-B14F-4D97-AF65-F5344CB8AC3E}">
         <p14:creationId xmlns:p14="http://schemas.microsoft.com/office/powerpoint/2010/main" val="4201952322"/>
+      </p:ext>
+    </p:extLst>
+  </p:cSld>
+  <p:clrMapOvr>
+    <a:masterClrMapping/>
+  </p:clrMapOvr>
+  <p:timing>
+    <p:tnLst>
+      <p:par>
+        <p:cTn id="1" dur="indefinite" restart="never" nodeType="tmRoot"/>
+      </p:par>
+    </p:tnLst>
+  </p:timing>
+</p:sld>
+</file>
+
+<file path=ppt/slides/slide10.xml><?xml version="1.0" encoding="utf-8"?>
+<p:sld xmlns:a="http://schemas.openxmlformats.org/drawingml/2006/main" xmlns:r="http://schemas.openxmlformats.org/officeDocument/2006/relationships" xmlns:p="http://schemas.openxmlformats.org/presentationml/2006/main">
+  <p:cSld>
+    <p:spTree>
+      <p:nvGrpSpPr>
+        <p:cNvPr id="1" name=""/>
+        <p:cNvGrpSpPr/>
+        <p:nvPr/>
+      </p:nvGrpSpPr>
+      <p:grpSpPr>
+        <a:xfrm>
+          <a:off x="0" y="0"/>
+          <a:ext cx="0" cy="0"/>
+          <a:chOff x="0" y="0"/>
+          <a:chExt cx="0" cy="0"/>
+        </a:xfrm>
+      </p:grpSpPr>
+      <p:pic>
+        <p:nvPicPr>
+          <p:cNvPr id="2" name="Picture 1"/>
+          <p:cNvPicPr>
+            <a:picLocks noChangeAspect="1"/>
+          </p:cNvPicPr>
+          <p:nvPr/>
+        </p:nvPicPr>
+        <p:blipFill>
+          <a:blip r:embed="rId2" cstate="print">
+            <a:extLst>
+              <a:ext uri="{28A0092B-C50C-407E-A947-70E740481C1C}">
+                <a14:useLocalDpi xmlns:a14="http://schemas.microsoft.com/office/drawing/2010/main" val="0"/>
+              </a:ext>
+            </a:extLst>
+          </a:blip>
+          <a:stretch>
+            <a:fillRect/>
+          </a:stretch>
+        </p:blipFill>
+        <p:spPr>
+          <a:xfrm rot="5400000">
+            <a:off x="3039784" y="-658157"/>
+            <a:ext cx="6345689" cy="8212066"/>
+          </a:xfrm>
+          <a:prstGeom prst="rect">
+            <a:avLst/>
+          </a:prstGeom>
+        </p:spPr>
+      </p:pic>
+    </p:spTree>
+    <p:extLst>
+      <p:ext uri="{BB962C8B-B14F-4D97-AF65-F5344CB8AC3E}">
+        <p14:creationId xmlns:p14="http://schemas.microsoft.com/office/powerpoint/2010/main" val="2452140126"/>
+      </p:ext>
+    </p:extLst>
+  </p:cSld>
+  <p:clrMapOvr>
+    <a:masterClrMapping/>
+  </p:clrMapOvr>
+  <p:timing>
+    <p:tnLst>
+      <p:par>
+        <p:cTn id="1" dur="indefinite" restart="never" nodeType="tmRoot"/>
+      </p:par>
+    </p:tnLst>
+  </p:timing>
+</p:sld>
+</file>
+
+<file path=ppt/slides/slide11.xml><?xml version="1.0" encoding="utf-8"?>
+<p:sld xmlns:a="http://schemas.openxmlformats.org/drawingml/2006/main" xmlns:r="http://schemas.openxmlformats.org/officeDocument/2006/relationships" xmlns:p="http://schemas.openxmlformats.org/presentationml/2006/main">
+  <p:cSld>
+    <p:spTree>
+      <p:nvGrpSpPr>
+        <p:cNvPr id="1" name=""/>
+        <p:cNvGrpSpPr/>
+        <p:nvPr/>
+      </p:nvGrpSpPr>
+      <p:grpSpPr>
+        <a:xfrm>
+          <a:off x="0" y="0"/>
+          <a:ext cx="0" cy="0"/>
+          <a:chOff x="0" y="0"/>
+          <a:chExt cx="0" cy="0"/>
+        </a:xfrm>
+      </p:grpSpPr>
+      <p:pic>
+        <p:nvPicPr>
+          <p:cNvPr id="2" name="Picture 1"/>
+          <p:cNvPicPr>
+            <a:picLocks noChangeAspect="1"/>
+          </p:cNvPicPr>
+          <p:nvPr/>
+        </p:nvPicPr>
+        <p:blipFill>
+          <a:blip r:embed="rId2" cstate="print">
+            <a:extLst>
+              <a:ext uri="{28A0092B-C50C-407E-A947-70E740481C1C}">
+                <a14:useLocalDpi xmlns:a14="http://schemas.microsoft.com/office/drawing/2010/main" val="0"/>
+              </a:ext>
+            </a:extLst>
+          </a:blip>
+          <a:stretch>
+            <a:fillRect/>
+          </a:stretch>
+        </p:blipFill>
+        <p:spPr>
+          <a:xfrm rot="5400000">
+            <a:off x="2997913" y="-595939"/>
+            <a:ext cx="6256205" cy="8096266"/>
+          </a:xfrm>
+          <a:prstGeom prst="rect">
+            <a:avLst/>
+          </a:prstGeom>
+        </p:spPr>
+      </p:pic>
+    </p:spTree>
+    <p:extLst>
+      <p:ext uri="{BB962C8B-B14F-4D97-AF65-F5344CB8AC3E}">
+        <p14:creationId xmlns:p14="http://schemas.microsoft.com/office/powerpoint/2010/main" val="2992539910"/>
+      </p:ext>
+    </p:extLst>
+  </p:cSld>
+  <p:clrMapOvr>
+    <a:masterClrMapping/>
+  </p:clrMapOvr>
+  <p:timing>
+    <p:tnLst>
+      <p:par>
+        <p:cTn id="1" dur="indefinite" restart="never" nodeType="tmRoot"/>
+      </p:par>
+    </p:tnLst>
+  </p:timing>
+</p:sld>
+</file>
+
+<file path=ppt/slides/slide12.xml><?xml version="1.0" encoding="utf-8"?>
+<p:sld xmlns:a="http://schemas.openxmlformats.org/drawingml/2006/main" xmlns:r="http://schemas.openxmlformats.org/officeDocument/2006/relationships" xmlns:p="http://schemas.openxmlformats.org/presentationml/2006/main">
+  <p:cSld>
+    <p:spTree>
+      <p:nvGrpSpPr>
+        <p:cNvPr id="1" name=""/>
+        <p:cNvGrpSpPr/>
+        <p:nvPr/>
+      </p:nvGrpSpPr>
+      <p:grpSpPr>
+        <a:xfrm>
+          <a:off x="0" y="0"/>
+          <a:ext cx="0" cy="0"/>
+          <a:chOff x="0" y="0"/>
+          <a:chExt cx="0" cy="0"/>
+        </a:xfrm>
+      </p:grpSpPr>
+      <p:sp>
+        <p:nvSpPr>
+          <p:cNvPr id="2" name="Title 1"/>
+          <p:cNvSpPr>
+            <a:spLocks noGrp="1"/>
+          </p:cNvSpPr>
+          <p:nvPr>
+            <p:ph type="ctrTitle"/>
+          </p:nvPr>
+        </p:nvSpPr>
+        <p:spPr/>
+        <p:txBody>
+          <a:bodyPr>
+            <a:normAutofit/>
+          </a:bodyPr>
+          <a:lstStyle/>
+          <a:p>
+            <a:r>
+              <a:rPr lang="en-US" sz="10000" dirty="0" smtClean="0">
+                <a:latin typeface="+mn-lt"/>
+              </a:rPr>
+              <a:t>Demonstration</a:t>
+            </a:r>
+            <a:endParaRPr lang="en-US" sz="10000" dirty="0">
+              <a:latin typeface="+mn-lt"/>
+            </a:endParaRPr>
+          </a:p>
+        </p:txBody>
+      </p:sp>
+      <p:sp>
+        <p:nvSpPr>
+          <p:cNvPr id="5" name="Subtitle 4"/>
+          <p:cNvSpPr>
+            <a:spLocks noGrp="1"/>
+          </p:cNvSpPr>
+          <p:nvPr>
+            <p:ph type="subTitle" idx="1"/>
+          </p:nvPr>
+        </p:nvSpPr>
+        <p:spPr/>
+        <p:txBody>
+          <a:bodyPr>
+            <a:normAutofit/>
+          </a:bodyPr>
+          <a:lstStyle/>
+          <a:p>
+            <a:endParaRPr lang="en-US" dirty="0"/>
+          </a:p>
+        </p:txBody>
+      </p:sp>
+      <p:sp>
+        <p:nvSpPr>
+          <p:cNvPr id="4" name="Subtitle 4"/>
+          <p:cNvSpPr txBox="1">
+            <a:spLocks/>
+          </p:cNvSpPr>
+          <p:nvPr/>
+        </p:nvSpPr>
+        <p:spPr>
+          <a:xfrm>
+            <a:off x="-420547" y="6621874"/>
+            <a:ext cx="1392820" cy="472251"/>
+          </a:xfrm>
+          <a:prstGeom prst="rect">
+            <a:avLst/>
+          </a:prstGeom>
+        </p:spPr>
+        <p:txBody>
+          <a:bodyPr vert="horz" lIns="91440" tIns="45720" rIns="91440" bIns="45720" rtlCol="0">
+            <a:noAutofit/>
+          </a:bodyPr>
+          <a:lstStyle>
+            <a:lvl1pPr marL="0" indent="0" algn="ctr" defTabSz="914400" rtl="0" eaLnBrk="1" latinLnBrk="0" hangingPunct="1">
+              <a:lnSpc>
+                <a:spcPct val="90000"/>
+              </a:lnSpc>
+              <a:spcBef>
+                <a:spcPts val="1000"/>
+              </a:spcBef>
+              <a:buFont typeface="Arial" panose="020B0604020202020204" pitchFamily="34" charset="0"/>
+              <a:buNone/>
+              <a:defRPr sz="2400" kern="1200">
+                <a:solidFill>
+                  <a:schemeClr val="tx1"/>
+                </a:solidFill>
+                <a:latin typeface="+mn-lt"/>
+                <a:ea typeface="+mn-ea"/>
+                <a:cs typeface="+mn-cs"/>
+              </a:defRPr>
+            </a:lvl1pPr>
+            <a:lvl2pPr marL="457200" indent="0" algn="ctr" defTabSz="914400" rtl="0" eaLnBrk="1" latinLnBrk="0" hangingPunct="1">
+              <a:lnSpc>
+                <a:spcPct val="90000"/>
+              </a:lnSpc>
+              <a:spcBef>
+                <a:spcPts val="500"/>
+              </a:spcBef>
+              <a:buFont typeface="Arial" panose="020B0604020202020204" pitchFamily="34" charset="0"/>
+              <a:buNone/>
+              <a:defRPr sz="2000" kern="1200">
+                <a:solidFill>
+                  <a:schemeClr val="tx1"/>
+                </a:solidFill>
+                <a:latin typeface="+mn-lt"/>
+                <a:ea typeface="+mn-ea"/>
+                <a:cs typeface="+mn-cs"/>
+              </a:defRPr>
+            </a:lvl2pPr>
+            <a:lvl3pPr marL="914400" indent="0" algn="ctr" defTabSz="914400" rtl="0" eaLnBrk="1" latinLnBrk="0" hangingPunct="1">
+              <a:lnSpc>
+                <a:spcPct val="90000"/>
+              </a:lnSpc>
+              <a:spcBef>
+                <a:spcPts val="500"/>
+              </a:spcBef>
+              <a:buFont typeface="Arial" panose="020B0604020202020204" pitchFamily="34" charset="0"/>
+              <a:buNone/>
+              <a:defRPr sz="1800" kern="1200">
+                <a:solidFill>
+                  <a:schemeClr val="tx1"/>
+                </a:solidFill>
+                <a:latin typeface="+mn-lt"/>
+                <a:ea typeface="+mn-ea"/>
+                <a:cs typeface="+mn-cs"/>
+              </a:defRPr>
+            </a:lvl3pPr>
+            <a:lvl4pPr marL="1371600" indent="0" algn="ctr" defTabSz="914400" rtl="0" eaLnBrk="1" latinLnBrk="0" hangingPunct="1">
+              <a:lnSpc>
+                <a:spcPct val="90000"/>
+              </a:lnSpc>
+              <a:spcBef>
+                <a:spcPts val="500"/>
+              </a:spcBef>
+              <a:buFont typeface="Arial" panose="020B0604020202020204" pitchFamily="34" charset="0"/>
+              <a:buNone/>
+              <a:defRPr sz="1600" kern="1200">
+                <a:solidFill>
+                  <a:schemeClr val="tx1"/>
+                </a:solidFill>
+                <a:latin typeface="+mn-lt"/>
+                <a:ea typeface="+mn-ea"/>
+                <a:cs typeface="+mn-cs"/>
+              </a:defRPr>
+            </a:lvl4pPr>
+            <a:lvl5pPr marL="1828800" indent="0" algn="ctr" defTabSz="914400" rtl="0" eaLnBrk="1" latinLnBrk="0" hangingPunct="1">
+              <a:lnSpc>
+                <a:spcPct val="90000"/>
+              </a:lnSpc>
+              <a:spcBef>
+                <a:spcPts val="500"/>
+              </a:spcBef>
+              <a:buFont typeface="Arial" panose="020B0604020202020204" pitchFamily="34" charset="0"/>
+              <a:buNone/>
+              <a:defRPr sz="1600" kern="1200">
+                <a:solidFill>
+                  <a:schemeClr val="tx1"/>
+                </a:solidFill>
+                <a:latin typeface="+mn-lt"/>
+                <a:ea typeface="+mn-ea"/>
+                <a:cs typeface="+mn-cs"/>
+              </a:defRPr>
+            </a:lvl5pPr>
+            <a:lvl6pPr marL="2286000" indent="0" algn="ctr" defTabSz="914400" rtl="0" eaLnBrk="1" latinLnBrk="0" hangingPunct="1">
+              <a:lnSpc>
+                <a:spcPct val="90000"/>
+              </a:lnSpc>
+              <a:spcBef>
+                <a:spcPts val="500"/>
+              </a:spcBef>
+              <a:buFont typeface="Arial" panose="020B0604020202020204" pitchFamily="34" charset="0"/>
+              <a:buNone/>
+              <a:defRPr sz="1600" kern="1200">
+                <a:solidFill>
+                  <a:schemeClr val="tx1"/>
+                </a:solidFill>
+                <a:latin typeface="+mn-lt"/>
+                <a:ea typeface="+mn-ea"/>
+                <a:cs typeface="+mn-cs"/>
+              </a:defRPr>
+            </a:lvl6pPr>
+            <a:lvl7pPr marL="2743200" indent="0" algn="ctr" defTabSz="914400" rtl="0" eaLnBrk="1" latinLnBrk="0" hangingPunct="1">
+              <a:lnSpc>
+                <a:spcPct val="90000"/>
+              </a:lnSpc>
+              <a:spcBef>
+                <a:spcPts val="500"/>
+              </a:spcBef>
+              <a:buFont typeface="Arial" panose="020B0604020202020204" pitchFamily="34" charset="0"/>
+              <a:buNone/>
+              <a:defRPr sz="1600" kern="1200">
+                <a:solidFill>
+                  <a:schemeClr val="tx1"/>
+                </a:solidFill>
+                <a:latin typeface="+mn-lt"/>
+                <a:ea typeface="+mn-ea"/>
+                <a:cs typeface="+mn-cs"/>
+              </a:defRPr>
+            </a:lvl7pPr>
+            <a:lvl8pPr marL="3200400" indent="0" algn="ctr" defTabSz="914400" rtl="0" eaLnBrk="1" latinLnBrk="0" hangingPunct="1">
+              <a:lnSpc>
+                <a:spcPct val="90000"/>
+              </a:lnSpc>
+              <a:spcBef>
+                <a:spcPts val="500"/>
+              </a:spcBef>
+              <a:buFont typeface="Arial" panose="020B0604020202020204" pitchFamily="34" charset="0"/>
+              <a:buNone/>
+              <a:defRPr sz="1600" kern="1200">
+                <a:solidFill>
+                  <a:schemeClr val="tx1"/>
+                </a:solidFill>
+                <a:latin typeface="+mn-lt"/>
+                <a:ea typeface="+mn-ea"/>
+                <a:cs typeface="+mn-cs"/>
+              </a:defRPr>
+            </a:lvl8pPr>
+            <a:lvl9pPr marL="3657600" indent="0" algn="ctr" defTabSz="914400" rtl="0" eaLnBrk="1" latinLnBrk="0" hangingPunct="1">
+              <a:lnSpc>
+                <a:spcPct val="90000"/>
+              </a:lnSpc>
+              <a:spcBef>
+                <a:spcPts val="500"/>
+              </a:spcBef>
+              <a:buFont typeface="Arial" panose="020B0604020202020204" pitchFamily="34" charset="0"/>
+              <a:buNone/>
+              <a:defRPr sz="1600" kern="1200">
+                <a:solidFill>
+                  <a:schemeClr val="tx1"/>
+                </a:solidFill>
+                <a:latin typeface="+mn-lt"/>
+                <a:ea typeface="+mn-ea"/>
+                <a:cs typeface="+mn-cs"/>
+              </a:defRPr>
+            </a:lvl9pPr>
+          </a:lstStyle>
+          <a:p>
+            <a:r>
+              <a:rPr lang="en-US" sz="1000" dirty="0" smtClean="0"/>
+              <a:t>TC</a:t>
+            </a:r>
+            <a:endParaRPr lang="en-US" sz="1000" dirty="0"/>
+          </a:p>
+        </p:txBody>
+      </p:sp>
+    </p:spTree>
+    <p:extLst>
+      <p:ext uri="{BB962C8B-B14F-4D97-AF65-F5344CB8AC3E}">
+        <p14:creationId xmlns:p14="http://schemas.microsoft.com/office/powerpoint/2010/main" val="3533279343"/>
+      </p:ext>
+    </p:extLst>
+  </p:cSld>
+  <p:clrMapOvr>
+    <a:masterClrMapping/>
+  </p:clrMapOvr>
+  <p:timing>
+    <p:tnLst>
+      <p:par>
+        <p:cTn id="1" dur="indefinite" restart="never" nodeType="tmRoot"/>
+      </p:par>
+    </p:tnLst>
+  </p:timing>
+</p:sld>
+</file>
+
+<file path=ppt/slides/slide13.xml><?xml version="1.0" encoding="utf-8"?>
+<p:sld xmlns:a="http://schemas.openxmlformats.org/drawingml/2006/main" xmlns:r="http://schemas.openxmlformats.org/officeDocument/2006/relationships" xmlns:p="http://schemas.openxmlformats.org/presentationml/2006/main">
+  <p:cSld>
+    <p:spTree>
+      <p:nvGrpSpPr>
+        <p:cNvPr id="1" name=""/>
+        <p:cNvGrpSpPr/>
+        <p:nvPr/>
+      </p:nvGrpSpPr>
+      <p:grpSpPr>
+        <a:xfrm>
+          <a:off x="0" y="0"/>
+          <a:ext cx="0" cy="0"/>
+          <a:chOff x="0" y="0"/>
+          <a:chExt cx="0" cy="0"/>
+        </a:xfrm>
+      </p:grpSpPr>
+      <p:sp>
+        <p:nvSpPr>
+          <p:cNvPr id="2" name="Title 1"/>
+          <p:cNvSpPr>
+            <a:spLocks noGrp="1"/>
+          </p:cNvSpPr>
+          <p:nvPr>
+            <p:ph type="title"/>
+          </p:nvPr>
+        </p:nvSpPr>
+        <p:spPr/>
+        <p:txBody>
+          <a:bodyPr/>
+          <a:lstStyle/>
+          <a:p>
+            <a:r>
+              <a:rPr lang="en-US" dirty="0"/>
+              <a:t>Role of </a:t>
+            </a:r>
+            <a:r>
+              <a:rPr lang="en-US" dirty="0" smtClean="0"/>
+              <a:t>Each </a:t>
+            </a:r>
+            <a:r>
+              <a:rPr lang="en-US" dirty="0"/>
+              <a:t>T</a:t>
+            </a:r>
+            <a:r>
+              <a:rPr lang="en-US" dirty="0" smtClean="0"/>
+              <a:t>eam </a:t>
+            </a:r>
+            <a:r>
+              <a:rPr lang="en-US" dirty="0"/>
+              <a:t>M</a:t>
+            </a:r>
+            <a:r>
+              <a:rPr lang="en-US" dirty="0" smtClean="0"/>
+              <a:t>ember</a:t>
+            </a:r>
+            <a:endParaRPr lang="en-US" dirty="0"/>
+          </a:p>
+        </p:txBody>
+      </p:sp>
+      <p:sp>
+        <p:nvSpPr>
+          <p:cNvPr id="3" name="Content Placeholder 2"/>
+          <p:cNvSpPr>
+            <a:spLocks noGrp="1"/>
+          </p:cNvSpPr>
+          <p:nvPr>
+            <p:ph idx="1"/>
+          </p:nvPr>
+        </p:nvSpPr>
+        <p:spPr/>
+        <p:txBody>
+          <a:bodyPr/>
+          <a:lstStyle/>
+          <a:p>
+            <a:r>
+              <a:rPr lang="en-US" dirty="0"/>
+              <a:t>Kyler </a:t>
+            </a:r>
+            <a:r>
+              <a:rPr lang="en-US" dirty="0" smtClean="0"/>
+              <a:t>// Card Infrastructure, Game Logic  </a:t>
+            </a:r>
+          </a:p>
+          <a:p>
+            <a:r>
+              <a:rPr lang="en-US" dirty="0" err="1" smtClean="0"/>
+              <a:t>Tresor</a:t>
+            </a:r>
+            <a:r>
+              <a:rPr lang="en-US" dirty="0" smtClean="0"/>
+              <a:t> // </a:t>
+            </a:r>
+            <a:r>
+              <a:rPr lang="en-US" dirty="0"/>
+              <a:t>GUI and Client Interface</a:t>
+            </a:r>
+          </a:p>
+          <a:p>
+            <a:r>
+              <a:rPr lang="en-US" dirty="0"/>
+              <a:t>Kevin </a:t>
+            </a:r>
+            <a:r>
+              <a:rPr lang="en-US" dirty="0" smtClean="0"/>
+              <a:t>// </a:t>
+            </a:r>
+            <a:r>
+              <a:rPr lang="en-US" dirty="0"/>
+              <a:t>Server C</a:t>
+            </a:r>
+            <a:r>
+              <a:rPr lang="en-US" dirty="0" smtClean="0"/>
+              <a:t>ommunication, </a:t>
+            </a:r>
+            <a:r>
+              <a:rPr lang="en-US" dirty="0" err="1" smtClean="0"/>
+              <a:t>Misc</a:t>
+            </a:r>
+            <a:r>
+              <a:rPr lang="en-US" dirty="0" smtClean="0"/>
+              <a:t> </a:t>
+            </a:r>
+            <a:r>
+              <a:rPr lang="en-US" dirty="0"/>
+              <a:t>C</a:t>
+            </a:r>
+            <a:r>
+              <a:rPr lang="en-US" dirty="0" smtClean="0"/>
+              <a:t>oding</a:t>
+            </a:r>
+            <a:endParaRPr lang="en-US" dirty="0"/>
+          </a:p>
+          <a:p>
+            <a:r>
+              <a:rPr lang="en-US" dirty="0"/>
+              <a:t>Adrian </a:t>
+            </a:r>
+            <a:r>
+              <a:rPr lang="en-US" dirty="0" smtClean="0"/>
+              <a:t>// Presentation, Testing, Debugging</a:t>
+            </a:r>
+            <a:endParaRPr lang="en-US" dirty="0"/>
+          </a:p>
+          <a:p>
+            <a:r>
+              <a:rPr lang="en-US" dirty="0" smtClean="0"/>
+              <a:t>Gaurav </a:t>
+            </a:r>
+            <a:r>
+              <a:rPr lang="en-US" dirty="0" smtClean="0"/>
+              <a:t>// Testing, Debugging</a:t>
+            </a:r>
+            <a:endParaRPr lang="en-US" dirty="0"/>
+          </a:p>
+        </p:txBody>
+      </p:sp>
+      <p:sp>
+        <p:nvSpPr>
+          <p:cNvPr id="6" name="Subtitle 4"/>
+          <p:cNvSpPr txBox="1">
+            <a:spLocks/>
+          </p:cNvSpPr>
+          <p:nvPr/>
+        </p:nvSpPr>
+        <p:spPr>
+          <a:xfrm>
+            <a:off x="-420547" y="6621874"/>
+            <a:ext cx="1392820" cy="472251"/>
+          </a:xfrm>
+          <a:prstGeom prst="rect">
+            <a:avLst/>
+          </a:prstGeom>
+        </p:spPr>
+        <p:txBody>
+          <a:bodyPr vert="horz" lIns="91440" tIns="45720" rIns="91440" bIns="45720" rtlCol="0">
+            <a:noAutofit/>
+          </a:bodyPr>
+          <a:lstStyle>
+            <a:lvl1pPr marL="0" indent="0" algn="ctr" defTabSz="914400" rtl="0" eaLnBrk="1" latinLnBrk="0" hangingPunct="1">
+              <a:lnSpc>
+                <a:spcPct val="90000"/>
+              </a:lnSpc>
+              <a:spcBef>
+                <a:spcPts val="1000"/>
+              </a:spcBef>
+              <a:buFont typeface="Arial" panose="020B0604020202020204" pitchFamily="34" charset="0"/>
+              <a:buNone/>
+              <a:defRPr sz="2400" kern="1200">
+                <a:solidFill>
+                  <a:schemeClr val="tx1"/>
+                </a:solidFill>
+                <a:latin typeface="+mn-lt"/>
+                <a:ea typeface="+mn-ea"/>
+                <a:cs typeface="+mn-cs"/>
+              </a:defRPr>
+            </a:lvl1pPr>
+            <a:lvl2pPr marL="457200" indent="0" algn="ctr" defTabSz="914400" rtl="0" eaLnBrk="1" latinLnBrk="0" hangingPunct="1">
+              <a:lnSpc>
+                <a:spcPct val="90000"/>
+              </a:lnSpc>
+              <a:spcBef>
+                <a:spcPts val="500"/>
+              </a:spcBef>
+              <a:buFont typeface="Arial" panose="020B0604020202020204" pitchFamily="34" charset="0"/>
+              <a:buNone/>
+              <a:defRPr sz="2000" kern="1200">
+                <a:solidFill>
+                  <a:schemeClr val="tx1"/>
+                </a:solidFill>
+                <a:latin typeface="+mn-lt"/>
+                <a:ea typeface="+mn-ea"/>
+                <a:cs typeface="+mn-cs"/>
+              </a:defRPr>
+            </a:lvl2pPr>
+            <a:lvl3pPr marL="914400" indent="0" algn="ctr" defTabSz="914400" rtl="0" eaLnBrk="1" latinLnBrk="0" hangingPunct="1">
+              <a:lnSpc>
+                <a:spcPct val="90000"/>
+              </a:lnSpc>
+              <a:spcBef>
+                <a:spcPts val="500"/>
+              </a:spcBef>
+              <a:buFont typeface="Arial" panose="020B0604020202020204" pitchFamily="34" charset="0"/>
+              <a:buNone/>
+              <a:defRPr sz="1800" kern="1200">
+                <a:solidFill>
+                  <a:schemeClr val="tx1"/>
+                </a:solidFill>
+                <a:latin typeface="+mn-lt"/>
+                <a:ea typeface="+mn-ea"/>
+                <a:cs typeface="+mn-cs"/>
+              </a:defRPr>
+            </a:lvl3pPr>
+            <a:lvl4pPr marL="1371600" indent="0" algn="ctr" defTabSz="914400" rtl="0" eaLnBrk="1" latinLnBrk="0" hangingPunct="1">
+              <a:lnSpc>
+                <a:spcPct val="90000"/>
+              </a:lnSpc>
+              <a:spcBef>
+                <a:spcPts val="500"/>
+              </a:spcBef>
+              <a:buFont typeface="Arial" panose="020B0604020202020204" pitchFamily="34" charset="0"/>
+              <a:buNone/>
+              <a:defRPr sz="1600" kern="1200">
+                <a:solidFill>
+                  <a:schemeClr val="tx1"/>
+                </a:solidFill>
+                <a:latin typeface="+mn-lt"/>
+                <a:ea typeface="+mn-ea"/>
+                <a:cs typeface="+mn-cs"/>
+              </a:defRPr>
+            </a:lvl4pPr>
+            <a:lvl5pPr marL="1828800" indent="0" algn="ctr" defTabSz="914400" rtl="0" eaLnBrk="1" latinLnBrk="0" hangingPunct="1">
+              <a:lnSpc>
+                <a:spcPct val="90000"/>
+              </a:lnSpc>
+              <a:spcBef>
+                <a:spcPts val="500"/>
+              </a:spcBef>
+              <a:buFont typeface="Arial" panose="020B0604020202020204" pitchFamily="34" charset="0"/>
+              <a:buNone/>
+              <a:defRPr sz="1600" kern="1200">
+                <a:solidFill>
+                  <a:schemeClr val="tx1"/>
+                </a:solidFill>
+                <a:latin typeface="+mn-lt"/>
+                <a:ea typeface="+mn-ea"/>
+                <a:cs typeface="+mn-cs"/>
+              </a:defRPr>
+            </a:lvl5pPr>
+            <a:lvl6pPr marL="2286000" indent="0" algn="ctr" defTabSz="914400" rtl="0" eaLnBrk="1" latinLnBrk="0" hangingPunct="1">
+              <a:lnSpc>
+                <a:spcPct val="90000"/>
+              </a:lnSpc>
+              <a:spcBef>
+                <a:spcPts val="500"/>
+              </a:spcBef>
+              <a:buFont typeface="Arial" panose="020B0604020202020204" pitchFamily="34" charset="0"/>
+              <a:buNone/>
+              <a:defRPr sz="1600" kern="1200">
+                <a:solidFill>
+                  <a:schemeClr val="tx1"/>
+                </a:solidFill>
+                <a:latin typeface="+mn-lt"/>
+                <a:ea typeface="+mn-ea"/>
+                <a:cs typeface="+mn-cs"/>
+              </a:defRPr>
+            </a:lvl6pPr>
+            <a:lvl7pPr marL="2743200" indent="0" algn="ctr" defTabSz="914400" rtl="0" eaLnBrk="1" latinLnBrk="0" hangingPunct="1">
+              <a:lnSpc>
+                <a:spcPct val="90000"/>
+              </a:lnSpc>
+              <a:spcBef>
+                <a:spcPts val="500"/>
+              </a:spcBef>
+              <a:buFont typeface="Arial" panose="020B0604020202020204" pitchFamily="34" charset="0"/>
+              <a:buNone/>
+              <a:defRPr sz="1600" kern="1200">
+                <a:solidFill>
+                  <a:schemeClr val="tx1"/>
+                </a:solidFill>
+                <a:latin typeface="+mn-lt"/>
+                <a:ea typeface="+mn-ea"/>
+                <a:cs typeface="+mn-cs"/>
+              </a:defRPr>
+            </a:lvl7pPr>
+            <a:lvl8pPr marL="3200400" indent="0" algn="ctr" defTabSz="914400" rtl="0" eaLnBrk="1" latinLnBrk="0" hangingPunct="1">
+              <a:lnSpc>
+                <a:spcPct val="90000"/>
+              </a:lnSpc>
+              <a:spcBef>
+                <a:spcPts val="500"/>
+              </a:spcBef>
+              <a:buFont typeface="Arial" panose="020B0604020202020204" pitchFamily="34" charset="0"/>
+              <a:buNone/>
+              <a:defRPr sz="1600" kern="1200">
+                <a:solidFill>
+                  <a:schemeClr val="tx1"/>
+                </a:solidFill>
+                <a:latin typeface="+mn-lt"/>
+                <a:ea typeface="+mn-ea"/>
+                <a:cs typeface="+mn-cs"/>
+              </a:defRPr>
+            </a:lvl8pPr>
+            <a:lvl9pPr marL="3657600" indent="0" algn="ctr" defTabSz="914400" rtl="0" eaLnBrk="1" latinLnBrk="0" hangingPunct="1">
+              <a:lnSpc>
+                <a:spcPct val="90000"/>
+              </a:lnSpc>
+              <a:spcBef>
+                <a:spcPts val="500"/>
+              </a:spcBef>
+              <a:buFont typeface="Arial" panose="020B0604020202020204" pitchFamily="34" charset="0"/>
+              <a:buNone/>
+              <a:defRPr sz="1600" kern="1200">
+                <a:solidFill>
+                  <a:schemeClr val="tx1"/>
+                </a:solidFill>
+                <a:latin typeface="+mn-lt"/>
+                <a:ea typeface="+mn-ea"/>
+                <a:cs typeface="+mn-cs"/>
+              </a:defRPr>
+            </a:lvl9pPr>
+          </a:lstStyle>
+          <a:p>
+            <a:r>
+              <a:rPr lang="en-US" sz="1000" dirty="0" smtClean="0"/>
+              <a:t>GD</a:t>
+            </a:r>
+            <a:endParaRPr lang="en-US" sz="1000" dirty="0"/>
+          </a:p>
+        </p:txBody>
+      </p:sp>
+    </p:spTree>
+    <p:extLst>
+      <p:ext uri="{BB962C8B-B14F-4D97-AF65-F5344CB8AC3E}">
+        <p14:creationId xmlns:p14="http://schemas.microsoft.com/office/powerpoint/2010/main" val="1111205701"/>
+      </p:ext>
+    </p:extLst>
+  </p:cSld>
+  <p:clrMapOvr>
+    <a:masterClrMapping/>
+  </p:clrMapOvr>
+  <p:timing>
+    <p:tnLst>
+      <p:par>
+        <p:cTn id="1" dur="indefinite" restart="never" nodeType="tmRoot"/>
+      </p:par>
+    </p:tnLst>
+  </p:timing>
+</p:sld>
+</file>
+
+<file path=ppt/slides/slide14.xml><?xml version="1.0" encoding="utf-8"?>
+<p:sld xmlns:a="http://schemas.openxmlformats.org/drawingml/2006/main" xmlns:r="http://schemas.openxmlformats.org/officeDocument/2006/relationships" xmlns:p="http://schemas.openxmlformats.org/presentationml/2006/main">
+  <p:cSld>
+    <p:spTree>
+      <p:nvGrpSpPr>
+        <p:cNvPr id="1" name=""/>
+        <p:cNvGrpSpPr/>
+        <p:nvPr/>
+      </p:nvGrpSpPr>
+      <p:grpSpPr>
+        <a:xfrm>
+          <a:off x="0" y="0"/>
+          <a:ext cx="0" cy="0"/>
+          <a:chOff x="0" y="0"/>
+          <a:chExt cx="0" cy="0"/>
+        </a:xfrm>
+      </p:grpSpPr>
+      <p:sp>
+        <p:nvSpPr>
+          <p:cNvPr id="2" name="Title 1"/>
+          <p:cNvSpPr>
+            <a:spLocks noGrp="1"/>
+          </p:cNvSpPr>
+          <p:nvPr>
+            <p:ph type="title"/>
+          </p:nvPr>
+        </p:nvSpPr>
+        <p:spPr/>
+        <p:txBody>
+          <a:bodyPr/>
+          <a:lstStyle/>
+          <a:p>
+            <a:r>
+              <a:rPr lang="en-US" dirty="0"/>
+              <a:t>Project Status</a:t>
+            </a:r>
+          </a:p>
+        </p:txBody>
+      </p:sp>
+      <p:sp>
+        <p:nvSpPr>
+          <p:cNvPr id="3" name="Content Placeholder 2"/>
+          <p:cNvSpPr>
+            <a:spLocks noGrp="1"/>
+          </p:cNvSpPr>
+          <p:nvPr>
+            <p:ph idx="1"/>
+          </p:nvPr>
+        </p:nvSpPr>
+        <p:spPr/>
+        <p:txBody>
+          <a:bodyPr>
+            <a:normAutofit/>
+          </a:bodyPr>
+          <a:lstStyle/>
+          <a:p>
+            <a:r>
+              <a:rPr lang="en-US" dirty="0"/>
+              <a:t>30% </a:t>
+            </a:r>
+            <a:r>
+              <a:rPr lang="en-US" dirty="0"/>
+              <a:t>X</a:t>
+            </a:r>
+            <a:r>
+              <a:rPr lang="en-US" dirty="0" smtClean="0"/>
+              <a:t> Deck </a:t>
+            </a:r>
+            <a:r>
+              <a:rPr lang="en-US" dirty="0" smtClean="0"/>
+              <a:t>Built</a:t>
+            </a:r>
+            <a:r>
+              <a:rPr lang="en-US" dirty="0"/>
+              <a:t>, </a:t>
+            </a:r>
+            <a:r>
+              <a:rPr lang="en-US" dirty="0" smtClean="0"/>
+              <a:t>Server Runs, </a:t>
+            </a:r>
+            <a:r>
+              <a:rPr lang="en-US" dirty="0"/>
+              <a:t>GUI </a:t>
+            </a:r>
+            <a:r>
+              <a:rPr lang="en-US" dirty="0" smtClean="0"/>
+              <a:t>Started</a:t>
+            </a:r>
+            <a:r>
+              <a:rPr lang="en-US" dirty="0"/>
+              <a:t> </a:t>
+            </a:r>
+            <a:endParaRPr lang="en-US" dirty="0"/>
+          </a:p>
+          <a:p>
+            <a:r>
+              <a:rPr lang="en-US" dirty="0"/>
+              <a:t>40% </a:t>
+            </a:r>
+            <a:r>
+              <a:rPr lang="en-US" dirty="0"/>
+              <a:t>X</a:t>
+            </a:r>
+            <a:r>
+              <a:rPr lang="en-US" dirty="0" smtClean="0"/>
+              <a:t> </a:t>
+            </a:r>
+            <a:r>
+              <a:rPr lang="en-US" dirty="0" smtClean="0"/>
+              <a:t>Server </a:t>
+            </a:r>
+            <a:r>
+              <a:rPr lang="en-US" dirty="0"/>
+              <a:t>Game Logic </a:t>
+            </a:r>
+            <a:r>
+              <a:rPr lang="en-US" dirty="0" smtClean="0"/>
+              <a:t>Started</a:t>
+            </a:r>
+            <a:endParaRPr lang="en-US" dirty="0"/>
+          </a:p>
+          <a:p>
+            <a:r>
+              <a:rPr lang="en-US" dirty="0"/>
+              <a:t>50% </a:t>
+            </a:r>
+            <a:r>
+              <a:rPr lang="en-US" dirty="0"/>
+              <a:t>X</a:t>
+            </a:r>
+            <a:r>
+              <a:rPr lang="en-US" dirty="0" smtClean="0"/>
+              <a:t> </a:t>
+            </a:r>
+            <a:r>
+              <a:rPr lang="en-US" dirty="0"/>
+              <a:t>GUI </a:t>
+            </a:r>
+            <a:r>
+              <a:rPr lang="en-US" dirty="0" smtClean="0"/>
+              <a:t>Displays </a:t>
+            </a:r>
+            <a:r>
+              <a:rPr lang="en-US" dirty="0"/>
+              <a:t>C</a:t>
+            </a:r>
+            <a:r>
+              <a:rPr lang="en-US" dirty="0" smtClean="0"/>
+              <a:t>orrect Cards</a:t>
+            </a:r>
+            <a:endParaRPr lang="en-US" dirty="0"/>
+          </a:p>
+          <a:p>
+            <a:r>
+              <a:rPr lang="en-US" dirty="0" smtClean="0"/>
+              <a:t>70</a:t>
+            </a:r>
+            <a:r>
+              <a:rPr lang="en-US" dirty="0"/>
+              <a:t>% </a:t>
+            </a:r>
+            <a:r>
+              <a:rPr lang="en-US" dirty="0" smtClean="0"/>
+              <a:t>// All </a:t>
+            </a:r>
+            <a:r>
+              <a:rPr lang="en-US" dirty="0"/>
+              <a:t>C</a:t>
+            </a:r>
+            <a:r>
+              <a:rPr lang="en-US" dirty="0" smtClean="0"/>
+              <a:t>oding </a:t>
+            </a:r>
+            <a:r>
+              <a:rPr lang="en-US" dirty="0" smtClean="0"/>
+              <a:t>Completed 11/26</a:t>
+            </a:r>
+            <a:endParaRPr lang="en-US" dirty="0"/>
+          </a:p>
+          <a:p>
+            <a:r>
+              <a:rPr lang="en-US" dirty="0"/>
+              <a:t>80% </a:t>
+            </a:r>
+            <a:r>
+              <a:rPr lang="en-US" dirty="0" smtClean="0"/>
+              <a:t>// </a:t>
+            </a:r>
+            <a:r>
+              <a:rPr lang="en-US" dirty="0"/>
+              <a:t>Testing </a:t>
+            </a:r>
+            <a:r>
+              <a:rPr lang="en-US" dirty="0" smtClean="0"/>
+              <a:t>Begins 11/28</a:t>
+            </a:r>
+            <a:endParaRPr lang="en-US" dirty="0"/>
+          </a:p>
+          <a:p>
+            <a:r>
+              <a:rPr lang="en-US" dirty="0"/>
+              <a:t>90% </a:t>
+            </a:r>
+            <a:r>
+              <a:rPr lang="en-US" dirty="0" smtClean="0"/>
+              <a:t>// Final </a:t>
+            </a:r>
+            <a:r>
+              <a:rPr lang="en-US" dirty="0"/>
+              <a:t>C</a:t>
+            </a:r>
+            <a:r>
+              <a:rPr lang="en-US" dirty="0" smtClean="0"/>
+              <a:t>hanges </a:t>
+            </a:r>
+            <a:r>
+              <a:rPr lang="en-US" dirty="0"/>
+              <a:t>and </a:t>
+            </a:r>
+            <a:r>
+              <a:rPr lang="en-US" dirty="0" smtClean="0"/>
+              <a:t>Bug </a:t>
+            </a:r>
+            <a:r>
+              <a:rPr lang="en-US" dirty="0" smtClean="0"/>
+              <a:t>Fixes 11/29</a:t>
+            </a:r>
+            <a:endParaRPr lang="en-US" dirty="0"/>
+          </a:p>
+          <a:p>
+            <a:r>
+              <a:rPr lang="en-US" dirty="0"/>
+              <a:t>100</a:t>
+            </a:r>
+            <a:r>
+              <a:rPr lang="en-US" dirty="0" smtClean="0"/>
+              <a:t>% // </a:t>
+            </a:r>
+            <a:r>
+              <a:rPr lang="en-US" dirty="0"/>
+              <a:t>Final </a:t>
+            </a:r>
+            <a:r>
+              <a:rPr lang="en-US" dirty="0" smtClean="0"/>
+              <a:t>testing 12/1</a:t>
+            </a:r>
+            <a:endParaRPr lang="en-US" dirty="0"/>
+          </a:p>
+        </p:txBody>
+      </p:sp>
+      <p:sp>
+        <p:nvSpPr>
+          <p:cNvPr id="4" name="Subtitle 4"/>
+          <p:cNvSpPr txBox="1">
+            <a:spLocks/>
+          </p:cNvSpPr>
+          <p:nvPr/>
+        </p:nvSpPr>
+        <p:spPr>
+          <a:xfrm>
+            <a:off x="-420547" y="6621874"/>
+            <a:ext cx="1392820" cy="472251"/>
+          </a:xfrm>
+          <a:prstGeom prst="rect">
+            <a:avLst/>
+          </a:prstGeom>
+        </p:spPr>
+        <p:txBody>
+          <a:bodyPr vert="horz" lIns="91440" tIns="45720" rIns="91440" bIns="45720" rtlCol="0">
+            <a:noAutofit/>
+          </a:bodyPr>
+          <a:lstStyle>
+            <a:lvl1pPr marL="0" indent="0" algn="ctr" defTabSz="914400" rtl="0" eaLnBrk="1" latinLnBrk="0" hangingPunct="1">
+              <a:lnSpc>
+                <a:spcPct val="90000"/>
+              </a:lnSpc>
+              <a:spcBef>
+                <a:spcPts val="1000"/>
+              </a:spcBef>
+              <a:buFont typeface="Arial" panose="020B0604020202020204" pitchFamily="34" charset="0"/>
+              <a:buNone/>
+              <a:defRPr sz="2400" kern="1200">
+                <a:solidFill>
+                  <a:schemeClr val="tx1"/>
+                </a:solidFill>
+                <a:latin typeface="+mn-lt"/>
+                <a:ea typeface="+mn-ea"/>
+                <a:cs typeface="+mn-cs"/>
+              </a:defRPr>
+            </a:lvl1pPr>
+            <a:lvl2pPr marL="457200" indent="0" algn="ctr" defTabSz="914400" rtl="0" eaLnBrk="1" latinLnBrk="0" hangingPunct="1">
+              <a:lnSpc>
+                <a:spcPct val="90000"/>
+              </a:lnSpc>
+              <a:spcBef>
+                <a:spcPts val="500"/>
+              </a:spcBef>
+              <a:buFont typeface="Arial" panose="020B0604020202020204" pitchFamily="34" charset="0"/>
+              <a:buNone/>
+              <a:defRPr sz="2000" kern="1200">
+                <a:solidFill>
+                  <a:schemeClr val="tx1"/>
+                </a:solidFill>
+                <a:latin typeface="+mn-lt"/>
+                <a:ea typeface="+mn-ea"/>
+                <a:cs typeface="+mn-cs"/>
+              </a:defRPr>
+            </a:lvl2pPr>
+            <a:lvl3pPr marL="914400" indent="0" algn="ctr" defTabSz="914400" rtl="0" eaLnBrk="1" latinLnBrk="0" hangingPunct="1">
+              <a:lnSpc>
+                <a:spcPct val="90000"/>
+              </a:lnSpc>
+              <a:spcBef>
+                <a:spcPts val="500"/>
+              </a:spcBef>
+              <a:buFont typeface="Arial" panose="020B0604020202020204" pitchFamily="34" charset="0"/>
+              <a:buNone/>
+              <a:defRPr sz="1800" kern="1200">
+                <a:solidFill>
+                  <a:schemeClr val="tx1"/>
+                </a:solidFill>
+                <a:latin typeface="+mn-lt"/>
+                <a:ea typeface="+mn-ea"/>
+                <a:cs typeface="+mn-cs"/>
+              </a:defRPr>
+            </a:lvl3pPr>
+            <a:lvl4pPr marL="1371600" indent="0" algn="ctr" defTabSz="914400" rtl="0" eaLnBrk="1" latinLnBrk="0" hangingPunct="1">
+              <a:lnSpc>
+                <a:spcPct val="90000"/>
+              </a:lnSpc>
+              <a:spcBef>
+                <a:spcPts val="500"/>
+              </a:spcBef>
+              <a:buFont typeface="Arial" panose="020B0604020202020204" pitchFamily="34" charset="0"/>
+              <a:buNone/>
+              <a:defRPr sz="1600" kern="1200">
+                <a:solidFill>
+                  <a:schemeClr val="tx1"/>
+                </a:solidFill>
+                <a:latin typeface="+mn-lt"/>
+                <a:ea typeface="+mn-ea"/>
+                <a:cs typeface="+mn-cs"/>
+              </a:defRPr>
+            </a:lvl4pPr>
+            <a:lvl5pPr marL="1828800" indent="0" algn="ctr" defTabSz="914400" rtl="0" eaLnBrk="1" latinLnBrk="0" hangingPunct="1">
+              <a:lnSpc>
+                <a:spcPct val="90000"/>
+              </a:lnSpc>
+              <a:spcBef>
+                <a:spcPts val="500"/>
+              </a:spcBef>
+              <a:buFont typeface="Arial" panose="020B0604020202020204" pitchFamily="34" charset="0"/>
+              <a:buNone/>
+              <a:defRPr sz="1600" kern="1200">
+                <a:solidFill>
+                  <a:schemeClr val="tx1"/>
+                </a:solidFill>
+                <a:latin typeface="+mn-lt"/>
+                <a:ea typeface="+mn-ea"/>
+                <a:cs typeface="+mn-cs"/>
+              </a:defRPr>
+            </a:lvl5pPr>
+            <a:lvl6pPr marL="2286000" indent="0" algn="ctr" defTabSz="914400" rtl="0" eaLnBrk="1" latinLnBrk="0" hangingPunct="1">
+              <a:lnSpc>
+                <a:spcPct val="90000"/>
+              </a:lnSpc>
+              <a:spcBef>
+                <a:spcPts val="500"/>
+              </a:spcBef>
+              <a:buFont typeface="Arial" panose="020B0604020202020204" pitchFamily="34" charset="0"/>
+              <a:buNone/>
+              <a:defRPr sz="1600" kern="1200">
+                <a:solidFill>
+                  <a:schemeClr val="tx1"/>
+                </a:solidFill>
+                <a:latin typeface="+mn-lt"/>
+                <a:ea typeface="+mn-ea"/>
+                <a:cs typeface="+mn-cs"/>
+              </a:defRPr>
+            </a:lvl6pPr>
+            <a:lvl7pPr marL="2743200" indent="0" algn="ctr" defTabSz="914400" rtl="0" eaLnBrk="1" latinLnBrk="0" hangingPunct="1">
+              <a:lnSpc>
+                <a:spcPct val="90000"/>
+              </a:lnSpc>
+              <a:spcBef>
+                <a:spcPts val="500"/>
+              </a:spcBef>
+              <a:buFont typeface="Arial" panose="020B0604020202020204" pitchFamily="34" charset="0"/>
+              <a:buNone/>
+              <a:defRPr sz="1600" kern="1200">
+                <a:solidFill>
+                  <a:schemeClr val="tx1"/>
+                </a:solidFill>
+                <a:latin typeface="+mn-lt"/>
+                <a:ea typeface="+mn-ea"/>
+                <a:cs typeface="+mn-cs"/>
+              </a:defRPr>
+            </a:lvl7pPr>
+            <a:lvl8pPr marL="3200400" indent="0" algn="ctr" defTabSz="914400" rtl="0" eaLnBrk="1" latinLnBrk="0" hangingPunct="1">
+              <a:lnSpc>
+                <a:spcPct val="90000"/>
+              </a:lnSpc>
+              <a:spcBef>
+                <a:spcPts val="500"/>
+              </a:spcBef>
+              <a:buFont typeface="Arial" panose="020B0604020202020204" pitchFamily="34" charset="0"/>
+              <a:buNone/>
+              <a:defRPr sz="1600" kern="1200">
+                <a:solidFill>
+                  <a:schemeClr val="tx1"/>
+                </a:solidFill>
+                <a:latin typeface="+mn-lt"/>
+                <a:ea typeface="+mn-ea"/>
+                <a:cs typeface="+mn-cs"/>
+              </a:defRPr>
+            </a:lvl8pPr>
+            <a:lvl9pPr marL="3657600" indent="0" algn="ctr" defTabSz="914400" rtl="0" eaLnBrk="1" latinLnBrk="0" hangingPunct="1">
+              <a:lnSpc>
+                <a:spcPct val="90000"/>
+              </a:lnSpc>
+              <a:spcBef>
+                <a:spcPts val="500"/>
+              </a:spcBef>
+              <a:buFont typeface="Arial" panose="020B0604020202020204" pitchFamily="34" charset="0"/>
+              <a:buNone/>
+              <a:defRPr sz="1600" kern="1200">
+                <a:solidFill>
+                  <a:schemeClr val="tx1"/>
+                </a:solidFill>
+                <a:latin typeface="+mn-lt"/>
+                <a:ea typeface="+mn-ea"/>
+                <a:cs typeface="+mn-cs"/>
+              </a:defRPr>
+            </a:lvl9pPr>
+          </a:lstStyle>
+          <a:p>
+            <a:r>
+              <a:rPr lang="en-US" sz="1000" dirty="0" smtClean="0"/>
+              <a:t>GD</a:t>
+            </a:r>
+            <a:endParaRPr lang="en-US" sz="1000" dirty="0"/>
+          </a:p>
+        </p:txBody>
+      </p:sp>
+    </p:spTree>
+    <p:extLst>
+      <p:ext uri="{BB962C8B-B14F-4D97-AF65-F5344CB8AC3E}">
+        <p14:creationId xmlns:p14="http://schemas.microsoft.com/office/powerpoint/2010/main" val="3652476309"/>
       </p:ext>
     </p:extLst>
   </p:cSld>
@@ -3172,39 +4429,36 @@
             <a:spLocks noGrp="1"/>
           </p:cNvSpPr>
           <p:nvPr>
-            <p:ph type="title"/>
-          </p:nvPr>
-        </p:nvSpPr>
-        <p:spPr>
-          <a:solidFill>
-            <a:schemeClr val="tx1">
-              <a:alpha val="60000"/>
-            </a:schemeClr>
-          </a:solidFill>
-        </p:spPr>
-        <p:txBody>
-          <a:bodyPr/>
-          <a:lstStyle/>
-          <a:p>
-            <a:r>
-              <a:rPr lang="en-US" dirty="0">
-                <a:solidFill>
-                  <a:schemeClr val="bg1"/>
-                </a:solidFill>
+            <p:ph type="ctrTitle"/>
+          </p:nvPr>
+        </p:nvSpPr>
+        <p:spPr/>
+        <p:txBody>
+          <a:bodyPr>
+            <a:normAutofit fontScale="90000"/>
+          </a:bodyPr>
+          <a:lstStyle/>
+          <a:p>
+            <a:r>
+              <a:rPr lang="en-US" sz="10000" dirty="0" smtClean="0">
+                <a:latin typeface="+mn-lt"/>
               </a:rPr>
               <a:t>Game Description</a:t>
             </a:r>
-          </a:p>
-        </p:txBody>
-      </p:sp>
-      <p:sp>
-        <p:nvSpPr>
-          <p:cNvPr id="3" name="Content Placeholder 2"/>
-          <p:cNvSpPr>
-            <a:spLocks noGrp="1"/>
-          </p:cNvSpPr>
-          <p:nvPr>
-            <p:ph idx="1"/>
+            <a:endParaRPr lang="en-US" sz="10000" dirty="0">
+              <a:latin typeface="+mn-lt"/>
+            </a:endParaRPr>
+          </a:p>
+        </p:txBody>
+      </p:sp>
+      <p:sp>
+        <p:nvSpPr>
+          <p:cNvPr id="3" name="Subtitle 2"/>
+          <p:cNvSpPr>
+            <a:spLocks noGrp="1"/>
+          </p:cNvSpPr>
+          <p:nvPr>
+            <p:ph type="subTitle" idx="1"/>
           </p:nvPr>
         </p:nvSpPr>
         <p:spPr/>
@@ -3212,47 +4466,208 @@
           <a:bodyPr/>
           <a:lstStyle/>
           <a:p>
-            <a:r>
-              <a:rPr lang="en-US" dirty="0"/>
-              <a:t>2 players</a:t>
-            </a:r>
-          </a:p>
-          <a:p>
-            <a:r>
-              <a:rPr lang="en-US" dirty="0"/>
-              <a:t>Draw pile and a discard pile</a:t>
-            </a:r>
-          </a:p>
-          <a:p>
-            <a:r>
-              <a:rPr lang="en-US" dirty="0"/>
-              <a:t>Have to match either color or number to play. (There are color, number , and action cards)</a:t>
-            </a:r>
-          </a:p>
-          <a:p>
-            <a:r>
-              <a:rPr lang="en-US" dirty="0"/>
-              <a:t>Must draw if you cannot play</a:t>
-            </a:r>
-          </a:p>
-          <a:p>
-            <a:r>
-              <a:rPr lang="en-US" dirty="0"/>
-              <a:t>Board consists of a Draw Pile, a discard pile, and the players cards</a:t>
-            </a:r>
-          </a:p>
-          <a:p>
-            <a:pPr marL="0" indent="0">
-              <a:buNone/>
-            </a:pPr>
-            <a:endParaRPr lang="en-US" dirty="0"/>
+            <a:endParaRPr lang="en-US"/>
+          </a:p>
+        </p:txBody>
+      </p:sp>
+      <p:sp>
+        <p:nvSpPr>
+          <p:cNvPr id="6" name="Subtitle 4"/>
+          <p:cNvSpPr txBox="1">
+            <a:spLocks/>
+          </p:cNvSpPr>
+          <p:nvPr/>
+        </p:nvSpPr>
+        <p:spPr>
+          <a:xfrm>
+            <a:off x="-420547" y="6621874"/>
+            <a:ext cx="1392820" cy="472251"/>
+          </a:xfrm>
+          <a:prstGeom prst="rect">
+            <a:avLst/>
+          </a:prstGeom>
+        </p:spPr>
+        <p:txBody>
+          <a:bodyPr vert="horz" lIns="91440" tIns="45720" rIns="91440" bIns="45720" rtlCol="0">
+            <a:noAutofit/>
+          </a:bodyPr>
+          <a:lstStyle>
+            <a:lvl1pPr marL="0" indent="0" algn="ctr" defTabSz="914400" rtl="0" eaLnBrk="1" latinLnBrk="0" hangingPunct="1">
+              <a:lnSpc>
+                <a:spcPct val="90000"/>
+              </a:lnSpc>
+              <a:spcBef>
+                <a:spcPts val="1000"/>
+              </a:spcBef>
+              <a:buFont typeface="Arial" panose="020B0604020202020204" pitchFamily="34" charset="0"/>
+              <a:buNone/>
+              <a:defRPr sz="2400" kern="1200">
+                <a:solidFill>
+                  <a:schemeClr val="tx1"/>
+                </a:solidFill>
+                <a:latin typeface="+mn-lt"/>
+                <a:ea typeface="+mn-ea"/>
+                <a:cs typeface="+mn-cs"/>
+              </a:defRPr>
+            </a:lvl1pPr>
+            <a:lvl2pPr marL="457200" indent="0" algn="ctr" defTabSz="914400" rtl="0" eaLnBrk="1" latinLnBrk="0" hangingPunct="1">
+              <a:lnSpc>
+                <a:spcPct val="90000"/>
+              </a:lnSpc>
+              <a:spcBef>
+                <a:spcPts val="500"/>
+              </a:spcBef>
+              <a:buFont typeface="Arial" panose="020B0604020202020204" pitchFamily="34" charset="0"/>
+              <a:buNone/>
+              <a:defRPr sz="2000" kern="1200">
+                <a:solidFill>
+                  <a:schemeClr val="tx1"/>
+                </a:solidFill>
+                <a:latin typeface="+mn-lt"/>
+                <a:ea typeface="+mn-ea"/>
+                <a:cs typeface="+mn-cs"/>
+              </a:defRPr>
+            </a:lvl2pPr>
+            <a:lvl3pPr marL="914400" indent="0" algn="ctr" defTabSz="914400" rtl="0" eaLnBrk="1" latinLnBrk="0" hangingPunct="1">
+              <a:lnSpc>
+                <a:spcPct val="90000"/>
+              </a:lnSpc>
+              <a:spcBef>
+                <a:spcPts val="500"/>
+              </a:spcBef>
+              <a:buFont typeface="Arial" panose="020B0604020202020204" pitchFamily="34" charset="0"/>
+              <a:buNone/>
+              <a:defRPr sz="1800" kern="1200">
+                <a:solidFill>
+                  <a:schemeClr val="tx1"/>
+                </a:solidFill>
+                <a:latin typeface="+mn-lt"/>
+                <a:ea typeface="+mn-ea"/>
+                <a:cs typeface="+mn-cs"/>
+              </a:defRPr>
+            </a:lvl3pPr>
+            <a:lvl4pPr marL="1371600" indent="0" algn="ctr" defTabSz="914400" rtl="0" eaLnBrk="1" latinLnBrk="0" hangingPunct="1">
+              <a:lnSpc>
+                <a:spcPct val="90000"/>
+              </a:lnSpc>
+              <a:spcBef>
+                <a:spcPts val="500"/>
+              </a:spcBef>
+              <a:buFont typeface="Arial" panose="020B0604020202020204" pitchFamily="34" charset="0"/>
+              <a:buNone/>
+              <a:defRPr sz="1600" kern="1200">
+                <a:solidFill>
+                  <a:schemeClr val="tx1"/>
+                </a:solidFill>
+                <a:latin typeface="+mn-lt"/>
+                <a:ea typeface="+mn-ea"/>
+                <a:cs typeface="+mn-cs"/>
+              </a:defRPr>
+            </a:lvl4pPr>
+            <a:lvl5pPr marL="1828800" indent="0" algn="ctr" defTabSz="914400" rtl="0" eaLnBrk="1" latinLnBrk="0" hangingPunct="1">
+              <a:lnSpc>
+                <a:spcPct val="90000"/>
+              </a:lnSpc>
+              <a:spcBef>
+                <a:spcPts val="500"/>
+              </a:spcBef>
+              <a:buFont typeface="Arial" panose="020B0604020202020204" pitchFamily="34" charset="0"/>
+              <a:buNone/>
+              <a:defRPr sz="1600" kern="1200">
+                <a:solidFill>
+                  <a:schemeClr val="tx1"/>
+                </a:solidFill>
+                <a:latin typeface="+mn-lt"/>
+                <a:ea typeface="+mn-ea"/>
+                <a:cs typeface="+mn-cs"/>
+              </a:defRPr>
+            </a:lvl5pPr>
+            <a:lvl6pPr marL="2286000" indent="0" algn="ctr" defTabSz="914400" rtl="0" eaLnBrk="1" latinLnBrk="0" hangingPunct="1">
+              <a:lnSpc>
+                <a:spcPct val="90000"/>
+              </a:lnSpc>
+              <a:spcBef>
+                <a:spcPts val="500"/>
+              </a:spcBef>
+              <a:buFont typeface="Arial" panose="020B0604020202020204" pitchFamily="34" charset="0"/>
+              <a:buNone/>
+              <a:defRPr sz="1600" kern="1200">
+                <a:solidFill>
+                  <a:schemeClr val="tx1"/>
+                </a:solidFill>
+                <a:latin typeface="+mn-lt"/>
+                <a:ea typeface="+mn-ea"/>
+                <a:cs typeface="+mn-cs"/>
+              </a:defRPr>
+            </a:lvl6pPr>
+            <a:lvl7pPr marL="2743200" indent="0" algn="ctr" defTabSz="914400" rtl="0" eaLnBrk="1" latinLnBrk="0" hangingPunct="1">
+              <a:lnSpc>
+                <a:spcPct val="90000"/>
+              </a:lnSpc>
+              <a:spcBef>
+                <a:spcPts val="500"/>
+              </a:spcBef>
+              <a:buFont typeface="Arial" panose="020B0604020202020204" pitchFamily="34" charset="0"/>
+              <a:buNone/>
+              <a:defRPr sz="1600" kern="1200">
+                <a:solidFill>
+                  <a:schemeClr val="tx1"/>
+                </a:solidFill>
+                <a:latin typeface="+mn-lt"/>
+                <a:ea typeface="+mn-ea"/>
+                <a:cs typeface="+mn-cs"/>
+              </a:defRPr>
+            </a:lvl7pPr>
+            <a:lvl8pPr marL="3200400" indent="0" algn="ctr" defTabSz="914400" rtl="0" eaLnBrk="1" latinLnBrk="0" hangingPunct="1">
+              <a:lnSpc>
+                <a:spcPct val="90000"/>
+              </a:lnSpc>
+              <a:spcBef>
+                <a:spcPts val="500"/>
+              </a:spcBef>
+              <a:buFont typeface="Arial" panose="020B0604020202020204" pitchFamily="34" charset="0"/>
+              <a:buNone/>
+              <a:defRPr sz="1600" kern="1200">
+                <a:solidFill>
+                  <a:schemeClr val="tx1"/>
+                </a:solidFill>
+                <a:latin typeface="+mn-lt"/>
+                <a:ea typeface="+mn-ea"/>
+                <a:cs typeface="+mn-cs"/>
+              </a:defRPr>
+            </a:lvl8pPr>
+            <a:lvl9pPr marL="3657600" indent="0" algn="ctr" defTabSz="914400" rtl="0" eaLnBrk="1" latinLnBrk="0" hangingPunct="1">
+              <a:lnSpc>
+                <a:spcPct val="90000"/>
+              </a:lnSpc>
+              <a:spcBef>
+                <a:spcPts val="500"/>
+              </a:spcBef>
+              <a:buFont typeface="Arial" panose="020B0604020202020204" pitchFamily="34" charset="0"/>
+              <a:buNone/>
+              <a:defRPr sz="1600" kern="1200">
+                <a:solidFill>
+                  <a:schemeClr val="tx1"/>
+                </a:solidFill>
+                <a:latin typeface="+mn-lt"/>
+                <a:ea typeface="+mn-ea"/>
+                <a:cs typeface="+mn-cs"/>
+              </a:defRPr>
+            </a:lvl9pPr>
+          </a:lstStyle>
+          <a:p>
+            <a:r>
+              <a:rPr lang="en-US" sz="1000" dirty="0" smtClean="0"/>
+              <a:t>AV</a:t>
+            </a:r>
+            <a:endParaRPr lang="en-US" sz="1000" dirty="0"/>
           </a:p>
         </p:txBody>
       </p:sp>
     </p:spTree>
     <p:extLst>
       <p:ext uri="{BB962C8B-B14F-4D97-AF65-F5344CB8AC3E}">
-        <p14:creationId xmlns:p14="http://schemas.microsoft.com/office/powerpoint/2010/main" val="2737280000"/>
+        <p14:creationId xmlns:p14="http://schemas.microsoft.com/office/powerpoint/2010/main" val="2669470181"/>
       </p:ext>
     </p:extLst>
   </p:cSld>
@@ -3288,7 +4703,76 @@
       </p:grpSpPr>
       <p:sp>
         <p:nvSpPr>
-          <p:cNvPr id="2" name="Title 1"/>
+          <p:cNvPr id="3" name="Content Placeholder 2"/>
+          <p:cNvSpPr>
+            <a:spLocks noGrp="1"/>
+          </p:cNvSpPr>
+          <p:nvPr>
+            <p:ph idx="1"/>
+          </p:nvPr>
+        </p:nvSpPr>
+        <p:spPr/>
+        <p:txBody>
+          <a:bodyPr/>
+          <a:lstStyle/>
+          <a:p>
+            <a:r>
+              <a:rPr lang="en-US" dirty="0"/>
+              <a:t>2 players</a:t>
+            </a:r>
+          </a:p>
+          <a:p>
+            <a:r>
+              <a:rPr lang="en-US" dirty="0"/>
+              <a:t>Draw pile and a </a:t>
+            </a:r>
+            <a:r>
+              <a:rPr lang="en-US" dirty="0" smtClean="0"/>
+              <a:t>Discard </a:t>
+            </a:r>
+            <a:r>
+              <a:rPr lang="en-US" dirty="0"/>
+              <a:t>pile</a:t>
+            </a:r>
+          </a:p>
+          <a:p>
+            <a:r>
+              <a:rPr lang="en-US" dirty="0"/>
+              <a:t>Have to match either color or number to play. (There are color, number , and action cards)</a:t>
+            </a:r>
+          </a:p>
+          <a:p>
+            <a:r>
+              <a:rPr lang="en-US" dirty="0"/>
+              <a:t>Must draw if you cannot </a:t>
+            </a:r>
+            <a:r>
+              <a:rPr lang="en-US" dirty="0" smtClean="0"/>
+              <a:t>play</a:t>
+            </a:r>
+          </a:p>
+          <a:p>
+            <a:r>
+              <a:rPr lang="en-US" dirty="0"/>
+              <a:t>D</a:t>
+            </a:r>
+            <a:r>
+              <a:rPr lang="en-US" dirty="0" smtClean="0"/>
+              <a:t>iscard all cards to win </a:t>
+            </a:r>
+            <a:endParaRPr lang="en-US" dirty="0"/>
+          </a:p>
+          <a:p>
+            <a:pPr marL="0" indent="0">
+              <a:buNone/>
+            </a:pPr>
+            <a:endParaRPr lang="en-US" dirty="0"/>
+          </a:p>
+        </p:txBody>
+      </p:sp>
+      <p:sp>
+        <p:nvSpPr>
+          <p:cNvPr id="4" name="Title 3"/>
           <p:cNvSpPr>
             <a:spLocks noGrp="1"/>
           </p:cNvSpPr>
@@ -3302,38 +4786,17 @@
           <a:lstStyle/>
           <a:p>
             <a:r>
-              <a:rPr lang="en-US" dirty="0"/>
-              <a:t>How to win</a:t>
-            </a:r>
-          </a:p>
-        </p:txBody>
-      </p:sp>
-      <p:sp>
-        <p:nvSpPr>
-          <p:cNvPr id="3" name="Content Placeholder 2"/>
-          <p:cNvSpPr>
-            <a:spLocks noGrp="1"/>
-          </p:cNvSpPr>
-          <p:nvPr>
-            <p:ph idx="1"/>
-          </p:nvPr>
-        </p:nvSpPr>
-        <p:spPr/>
-        <p:txBody>
-          <a:bodyPr/>
-          <a:lstStyle/>
-          <a:p>
-            <a:r>
-              <a:rPr lang="en-US" dirty="0"/>
-              <a:t>Get rid of all your cards!</a:t>
-            </a:r>
+              <a:rPr lang="en-US" dirty="0" smtClean="0"/>
+              <a:t>Rules </a:t>
+            </a:r>
+            <a:endParaRPr lang="en-US" dirty="0"/>
           </a:p>
         </p:txBody>
       </p:sp>
     </p:spTree>
     <p:extLst>
       <p:ext uri="{BB962C8B-B14F-4D97-AF65-F5344CB8AC3E}">
-        <p14:creationId xmlns:p14="http://schemas.microsoft.com/office/powerpoint/2010/main" val="3616628619"/>
+        <p14:creationId xmlns:p14="http://schemas.microsoft.com/office/powerpoint/2010/main" val="2737280000"/>
       </p:ext>
     </p:extLst>
   </p:cSld>
@@ -3369,7 +4832,44 @@
       </p:grpSpPr>
       <p:sp>
         <p:nvSpPr>
-          <p:cNvPr id="2" name="Title 1"/>
+          <p:cNvPr id="3" name="Content Placeholder 2"/>
+          <p:cNvSpPr>
+            <a:spLocks noGrp="1"/>
+          </p:cNvSpPr>
+          <p:nvPr>
+            <p:ph idx="1"/>
+          </p:nvPr>
+        </p:nvSpPr>
+        <p:spPr/>
+        <p:txBody>
+          <a:bodyPr/>
+          <a:lstStyle/>
+          <a:p>
+            <a:r>
+              <a:rPr lang="en-US" dirty="0" smtClean="0"/>
+              <a:t>Numbered Colored Cards</a:t>
+            </a:r>
+          </a:p>
+          <a:p>
+            <a:r>
+              <a:rPr lang="en-US" dirty="0" smtClean="0"/>
+              <a:t>Action Cards </a:t>
+            </a:r>
+          </a:p>
+          <a:p>
+            <a:endParaRPr lang="en-US" dirty="0"/>
+          </a:p>
+          <a:p>
+            <a:pPr marL="0" indent="0">
+              <a:buNone/>
+            </a:pPr>
+            <a:endParaRPr lang="en-US" dirty="0"/>
+          </a:p>
+        </p:txBody>
+      </p:sp>
+      <p:sp>
+        <p:nvSpPr>
+          <p:cNvPr id="4" name="Title 3"/>
           <p:cNvSpPr>
             <a:spLocks noGrp="1"/>
           </p:cNvSpPr>
@@ -3383,38 +4883,17 @@
           <a:lstStyle/>
           <a:p>
             <a:r>
-              <a:rPr lang="en-US" dirty="0"/>
-              <a:t>Game Design</a:t>
-            </a:r>
-          </a:p>
-        </p:txBody>
-      </p:sp>
-      <p:sp>
-        <p:nvSpPr>
-          <p:cNvPr id="3" name="Content Placeholder 2"/>
-          <p:cNvSpPr>
-            <a:spLocks noGrp="1"/>
-          </p:cNvSpPr>
-          <p:nvPr>
-            <p:ph idx="1"/>
-          </p:nvPr>
-        </p:nvSpPr>
-        <p:spPr/>
-        <p:txBody>
-          <a:bodyPr/>
-          <a:lstStyle/>
-          <a:p>
-            <a:r>
-              <a:rPr lang="en-US" dirty="0"/>
-              <a:t>UML, UI</a:t>
-            </a:r>
+              <a:rPr lang="en-US" dirty="0" smtClean="0"/>
+              <a:t>Features</a:t>
+            </a:r>
+            <a:endParaRPr lang="en-US" dirty="0"/>
           </a:p>
         </p:txBody>
       </p:sp>
     </p:spTree>
     <p:extLst>
       <p:ext uri="{BB962C8B-B14F-4D97-AF65-F5344CB8AC3E}">
-        <p14:creationId xmlns:p14="http://schemas.microsoft.com/office/powerpoint/2010/main" val="3073189009"/>
+        <p14:creationId xmlns:p14="http://schemas.microsoft.com/office/powerpoint/2010/main" val="3536385389"/>
       </p:ext>
     </p:extLst>
   </p:cSld>
@@ -3450,7 +4929,52 @@
       </p:grpSpPr>
       <p:sp>
         <p:nvSpPr>
-          <p:cNvPr id="2" name="Title 1"/>
+          <p:cNvPr id="3" name="Content Placeholder 2"/>
+          <p:cNvSpPr>
+            <a:spLocks noGrp="1"/>
+          </p:cNvSpPr>
+          <p:nvPr>
+            <p:ph idx="1"/>
+          </p:nvPr>
+        </p:nvSpPr>
+        <p:spPr/>
+        <p:txBody>
+          <a:bodyPr/>
+          <a:lstStyle/>
+          <a:p>
+            <a:r>
+              <a:rPr lang="en-US" dirty="0"/>
+              <a:t>Draw </a:t>
+            </a:r>
+            <a:r>
+              <a:rPr lang="en-US" dirty="0" smtClean="0"/>
+              <a:t>Pile</a:t>
+            </a:r>
+          </a:p>
+          <a:p>
+            <a:r>
+              <a:rPr lang="en-US" dirty="0" smtClean="0"/>
+              <a:t>Discard Pile</a:t>
+            </a:r>
+          </a:p>
+          <a:p>
+            <a:r>
+              <a:rPr lang="en-US" dirty="0" smtClean="0"/>
+              <a:t>Players Hand</a:t>
+            </a:r>
+            <a:endParaRPr lang="en-US" dirty="0"/>
+          </a:p>
+          <a:p>
+            <a:endParaRPr lang="en-US" dirty="0" smtClean="0"/>
+          </a:p>
+          <a:p>
+            <a:endParaRPr lang="en-US" dirty="0"/>
+          </a:p>
+        </p:txBody>
+      </p:sp>
+      <p:sp>
+        <p:nvSpPr>
+          <p:cNvPr id="4" name="Title 3"/>
           <p:cNvSpPr>
             <a:spLocks noGrp="1"/>
           </p:cNvSpPr>
@@ -3464,38 +4988,17 @@
           <a:lstStyle/>
           <a:p>
             <a:r>
-              <a:rPr lang="en-US" dirty="0"/>
-              <a:t>Demonstration</a:t>
-            </a:r>
-          </a:p>
-        </p:txBody>
-      </p:sp>
-      <p:sp>
-        <p:nvSpPr>
-          <p:cNvPr id="3" name="Content Placeholder 2"/>
-          <p:cNvSpPr>
-            <a:spLocks noGrp="1"/>
-          </p:cNvSpPr>
-          <p:nvPr>
-            <p:ph idx="1"/>
-          </p:nvPr>
-        </p:nvSpPr>
-        <p:spPr/>
-        <p:txBody>
-          <a:bodyPr/>
-          <a:lstStyle/>
-          <a:p>
-            <a:r>
-              <a:rPr lang="en-US" dirty="0"/>
-              <a:t>Get the server running correctly so as to run a live demonstration</a:t>
-            </a:r>
+              <a:rPr lang="en-US" dirty="0" smtClean="0"/>
+              <a:t>Game Board</a:t>
+            </a:r>
+            <a:endParaRPr lang="en-US" dirty="0"/>
           </a:p>
         </p:txBody>
       </p:sp>
     </p:spTree>
     <p:extLst>
       <p:ext uri="{BB962C8B-B14F-4D97-AF65-F5344CB8AC3E}">
-        <p14:creationId xmlns:p14="http://schemas.microsoft.com/office/powerpoint/2010/main" val="1539050141"/>
+        <p14:creationId xmlns:p14="http://schemas.microsoft.com/office/powerpoint/2010/main" val="4048338284"/>
       </p:ext>
     </p:extLst>
   </p:cSld>
@@ -3536,163 +5039,247 @@
             <a:spLocks noGrp="1"/>
           </p:cNvSpPr>
           <p:nvPr>
-            <p:ph type="title"/>
+            <p:ph type="ctrTitle"/>
           </p:nvPr>
         </p:nvSpPr>
         <p:spPr/>
         <p:txBody>
-          <a:bodyPr/>
-          <a:lstStyle/>
-          <a:p>
-            <a:r>
-              <a:rPr lang="en-US" dirty="0"/>
-              <a:t>Role of </a:t>
-            </a:r>
-            <a:r>
-              <a:rPr lang="en-US" dirty="0" smtClean="0"/>
-              <a:t>Each </a:t>
-            </a:r>
-            <a:r>
-              <a:rPr lang="en-US" dirty="0"/>
-              <a:t>T</a:t>
-            </a:r>
-            <a:r>
-              <a:rPr lang="en-US" dirty="0" smtClean="0"/>
-              <a:t>eam </a:t>
-            </a:r>
-            <a:r>
-              <a:rPr lang="en-US" dirty="0"/>
-              <a:t>M</a:t>
-            </a:r>
-            <a:r>
-              <a:rPr lang="en-US" dirty="0" smtClean="0"/>
-              <a:t>ember</a:t>
-            </a:r>
+          <a:bodyPr>
+            <a:normAutofit/>
+          </a:bodyPr>
+          <a:lstStyle/>
+          <a:p>
+            <a:r>
+              <a:rPr lang="en-US" sz="10000" dirty="0" smtClean="0">
+                <a:latin typeface="+mn-lt"/>
+              </a:rPr>
+              <a:t>Game Design</a:t>
+            </a:r>
+            <a:endParaRPr lang="en-US" sz="10000" dirty="0">
+              <a:latin typeface="+mn-lt"/>
+            </a:endParaRPr>
+          </a:p>
+        </p:txBody>
+      </p:sp>
+      <p:sp>
+        <p:nvSpPr>
+          <p:cNvPr id="5" name="Subtitle 4"/>
+          <p:cNvSpPr>
+            <a:spLocks noGrp="1"/>
+          </p:cNvSpPr>
+          <p:nvPr>
+            <p:ph type="subTitle" idx="1"/>
+          </p:nvPr>
+        </p:nvSpPr>
+        <p:spPr/>
+        <p:txBody>
+          <a:bodyPr>
+            <a:normAutofit/>
+          </a:bodyPr>
+          <a:lstStyle/>
+          <a:p>
             <a:endParaRPr lang="en-US" dirty="0"/>
           </a:p>
         </p:txBody>
       </p:sp>
       <p:sp>
         <p:nvSpPr>
-          <p:cNvPr id="3" name="Content Placeholder 2"/>
-          <p:cNvSpPr>
-            <a:spLocks noGrp="1"/>
-          </p:cNvSpPr>
-          <p:nvPr>
-            <p:ph idx="1"/>
-          </p:nvPr>
-        </p:nvSpPr>
-        <p:spPr/>
-        <p:txBody>
-          <a:bodyPr/>
-          <a:lstStyle/>
-          <a:p>
-            <a:r>
-              <a:rPr lang="en-US" dirty="0"/>
-              <a:t>Kyler </a:t>
-            </a:r>
-            <a:r>
-              <a:rPr lang="en-US" dirty="0" smtClean="0"/>
-              <a:t>// </a:t>
-            </a:r>
-            <a:r>
-              <a:rPr lang="en-US" dirty="0" smtClean="0"/>
-              <a:t>Card Infrastructure, Game Logic  </a:t>
-            </a:r>
-          </a:p>
-          <a:p>
-            <a:r>
-              <a:rPr lang="en-US" dirty="0" err="1" smtClean="0"/>
-              <a:t>Tresor</a:t>
-            </a:r>
-            <a:r>
-              <a:rPr lang="en-US" dirty="0" smtClean="0"/>
-              <a:t> // </a:t>
-            </a:r>
-            <a:r>
-              <a:rPr lang="en-US" dirty="0"/>
-              <a:t>GUI and Client Interface</a:t>
-            </a:r>
-          </a:p>
-          <a:p>
-            <a:r>
-              <a:rPr lang="en-US" dirty="0"/>
-              <a:t>Kevin </a:t>
-            </a:r>
-            <a:r>
-              <a:rPr lang="en-US" dirty="0" smtClean="0"/>
-              <a:t>// </a:t>
-            </a:r>
-            <a:r>
-              <a:rPr lang="en-US" dirty="0"/>
-              <a:t>Server </a:t>
-            </a:r>
-            <a:r>
-              <a:rPr lang="en-US" dirty="0"/>
-              <a:t>C</a:t>
-            </a:r>
-            <a:r>
-              <a:rPr lang="en-US" dirty="0" smtClean="0"/>
-              <a:t>ommunication, </a:t>
-            </a:r>
-            <a:r>
-              <a:rPr lang="en-US" dirty="0" err="1" smtClean="0"/>
-              <a:t>M</a:t>
-            </a:r>
-            <a:r>
-              <a:rPr lang="en-US" dirty="0" err="1" smtClean="0"/>
-              <a:t>isc</a:t>
-            </a:r>
-            <a:r>
-              <a:rPr lang="en-US" dirty="0" smtClean="0"/>
-              <a:t> </a:t>
-            </a:r>
-            <a:r>
-              <a:rPr lang="en-US" dirty="0"/>
-              <a:t>C</a:t>
-            </a:r>
-            <a:r>
-              <a:rPr lang="en-US" dirty="0" smtClean="0"/>
-              <a:t>oding</a:t>
-            </a:r>
-            <a:endParaRPr lang="en-US" dirty="0"/>
-          </a:p>
-          <a:p>
-            <a:r>
-              <a:rPr lang="en-US" dirty="0"/>
-              <a:t>Adrian </a:t>
-            </a:r>
-            <a:r>
-              <a:rPr lang="en-US" dirty="0" smtClean="0"/>
-              <a:t>// </a:t>
-            </a:r>
-            <a:r>
-              <a:rPr lang="en-US" dirty="0" smtClean="0"/>
-              <a:t>Presentation, Testing, Debugging</a:t>
-            </a:r>
-            <a:endParaRPr lang="en-US" dirty="0"/>
-          </a:p>
-          <a:p>
-            <a:r>
-              <a:rPr lang="en-US" dirty="0" err="1"/>
-              <a:t>Gaurauv</a:t>
-            </a:r>
-            <a:r>
-              <a:rPr lang="en-US" dirty="0"/>
-              <a:t> </a:t>
-            </a:r>
-            <a:r>
-              <a:rPr lang="en-US" dirty="0" smtClean="0"/>
-              <a:t>// Testing, Debugging</a:t>
-            </a:r>
-            <a:endParaRPr lang="en-US" dirty="0"/>
+          <p:cNvPr id="4" name="Subtitle 4"/>
+          <p:cNvSpPr txBox="1">
+            <a:spLocks/>
+          </p:cNvSpPr>
+          <p:nvPr/>
+        </p:nvSpPr>
+        <p:spPr>
+          <a:xfrm>
+            <a:off x="-420547" y="6621874"/>
+            <a:ext cx="1392820" cy="472251"/>
+          </a:xfrm>
+          <a:prstGeom prst="rect">
+            <a:avLst/>
+          </a:prstGeom>
+        </p:spPr>
+        <p:txBody>
+          <a:bodyPr vert="horz" lIns="91440" tIns="45720" rIns="91440" bIns="45720" rtlCol="0">
+            <a:noAutofit/>
+          </a:bodyPr>
+          <a:lstStyle>
+            <a:lvl1pPr marL="0" indent="0" algn="ctr" defTabSz="914400" rtl="0" eaLnBrk="1" latinLnBrk="0" hangingPunct="1">
+              <a:lnSpc>
+                <a:spcPct val="90000"/>
+              </a:lnSpc>
+              <a:spcBef>
+                <a:spcPts val="1000"/>
+              </a:spcBef>
+              <a:buFont typeface="Arial" panose="020B0604020202020204" pitchFamily="34" charset="0"/>
+              <a:buNone/>
+              <a:defRPr sz="2400" kern="1200">
+                <a:solidFill>
+                  <a:schemeClr val="tx1"/>
+                </a:solidFill>
+                <a:latin typeface="+mn-lt"/>
+                <a:ea typeface="+mn-ea"/>
+                <a:cs typeface="+mn-cs"/>
+              </a:defRPr>
+            </a:lvl1pPr>
+            <a:lvl2pPr marL="457200" indent="0" algn="ctr" defTabSz="914400" rtl="0" eaLnBrk="1" latinLnBrk="0" hangingPunct="1">
+              <a:lnSpc>
+                <a:spcPct val="90000"/>
+              </a:lnSpc>
+              <a:spcBef>
+                <a:spcPts val="500"/>
+              </a:spcBef>
+              <a:buFont typeface="Arial" panose="020B0604020202020204" pitchFamily="34" charset="0"/>
+              <a:buNone/>
+              <a:defRPr sz="2000" kern="1200">
+                <a:solidFill>
+                  <a:schemeClr val="tx1"/>
+                </a:solidFill>
+                <a:latin typeface="+mn-lt"/>
+                <a:ea typeface="+mn-ea"/>
+                <a:cs typeface="+mn-cs"/>
+              </a:defRPr>
+            </a:lvl2pPr>
+            <a:lvl3pPr marL="914400" indent="0" algn="ctr" defTabSz="914400" rtl="0" eaLnBrk="1" latinLnBrk="0" hangingPunct="1">
+              <a:lnSpc>
+                <a:spcPct val="90000"/>
+              </a:lnSpc>
+              <a:spcBef>
+                <a:spcPts val="500"/>
+              </a:spcBef>
+              <a:buFont typeface="Arial" panose="020B0604020202020204" pitchFamily="34" charset="0"/>
+              <a:buNone/>
+              <a:defRPr sz="1800" kern="1200">
+                <a:solidFill>
+                  <a:schemeClr val="tx1"/>
+                </a:solidFill>
+                <a:latin typeface="+mn-lt"/>
+                <a:ea typeface="+mn-ea"/>
+                <a:cs typeface="+mn-cs"/>
+              </a:defRPr>
+            </a:lvl3pPr>
+            <a:lvl4pPr marL="1371600" indent="0" algn="ctr" defTabSz="914400" rtl="0" eaLnBrk="1" latinLnBrk="0" hangingPunct="1">
+              <a:lnSpc>
+                <a:spcPct val="90000"/>
+              </a:lnSpc>
+              <a:spcBef>
+                <a:spcPts val="500"/>
+              </a:spcBef>
+              <a:buFont typeface="Arial" panose="020B0604020202020204" pitchFamily="34" charset="0"/>
+              <a:buNone/>
+              <a:defRPr sz="1600" kern="1200">
+                <a:solidFill>
+                  <a:schemeClr val="tx1"/>
+                </a:solidFill>
+                <a:latin typeface="+mn-lt"/>
+                <a:ea typeface="+mn-ea"/>
+                <a:cs typeface="+mn-cs"/>
+              </a:defRPr>
+            </a:lvl4pPr>
+            <a:lvl5pPr marL="1828800" indent="0" algn="ctr" defTabSz="914400" rtl="0" eaLnBrk="1" latinLnBrk="0" hangingPunct="1">
+              <a:lnSpc>
+                <a:spcPct val="90000"/>
+              </a:lnSpc>
+              <a:spcBef>
+                <a:spcPts val="500"/>
+              </a:spcBef>
+              <a:buFont typeface="Arial" panose="020B0604020202020204" pitchFamily="34" charset="0"/>
+              <a:buNone/>
+              <a:defRPr sz="1600" kern="1200">
+                <a:solidFill>
+                  <a:schemeClr val="tx1"/>
+                </a:solidFill>
+                <a:latin typeface="+mn-lt"/>
+                <a:ea typeface="+mn-ea"/>
+                <a:cs typeface="+mn-cs"/>
+              </a:defRPr>
+            </a:lvl5pPr>
+            <a:lvl6pPr marL="2286000" indent="0" algn="ctr" defTabSz="914400" rtl="0" eaLnBrk="1" latinLnBrk="0" hangingPunct="1">
+              <a:lnSpc>
+                <a:spcPct val="90000"/>
+              </a:lnSpc>
+              <a:spcBef>
+                <a:spcPts val="500"/>
+              </a:spcBef>
+              <a:buFont typeface="Arial" panose="020B0604020202020204" pitchFamily="34" charset="0"/>
+              <a:buNone/>
+              <a:defRPr sz="1600" kern="1200">
+                <a:solidFill>
+                  <a:schemeClr val="tx1"/>
+                </a:solidFill>
+                <a:latin typeface="+mn-lt"/>
+                <a:ea typeface="+mn-ea"/>
+                <a:cs typeface="+mn-cs"/>
+              </a:defRPr>
+            </a:lvl6pPr>
+            <a:lvl7pPr marL="2743200" indent="0" algn="ctr" defTabSz="914400" rtl="0" eaLnBrk="1" latinLnBrk="0" hangingPunct="1">
+              <a:lnSpc>
+                <a:spcPct val="90000"/>
+              </a:lnSpc>
+              <a:spcBef>
+                <a:spcPts val="500"/>
+              </a:spcBef>
+              <a:buFont typeface="Arial" panose="020B0604020202020204" pitchFamily="34" charset="0"/>
+              <a:buNone/>
+              <a:defRPr sz="1600" kern="1200">
+                <a:solidFill>
+                  <a:schemeClr val="tx1"/>
+                </a:solidFill>
+                <a:latin typeface="+mn-lt"/>
+                <a:ea typeface="+mn-ea"/>
+                <a:cs typeface="+mn-cs"/>
+              </a:defRPr>
+            </a:lvl7pPr>
+            <a:lvl8pPr marL="3200400" indent="0" algn="ctr" defTabSz="914400" rtl="0" eaLnBrk="1" latinLnBrk="0" hangingPunct="1">
+              <a:lnSpc>
+                <a:spcPct val="90000"/>
+              </a:lnSpc>
+              <a:spcBef>
+                <a:spcPts val="500"/>
+              </a:spcBef>
+              <a:buFont typeface="Arial" panose="020B0604020202020204" pitchFamily="34" charset="0"/>
+              <a:buNone/>
+              <a:defRPr sz="1600" kern="1200">
+                <a:solidFill>
+                  <a:schemeClr val="tx1"/>
+                </a:solidFill>
+                <a:latin typeface="+mn-lt"/>
+                <a:ea typeface="+mn-ea"/>
+                <a:cs typeface="+mn-cs"/>
+              </a:defRPr>
+            </a:lvl8pPr>
+            <a:lvl9pPr marL="3657600" indent="0" algn="ctr" defTabSz="914400" rtl="0" eaLnBrk="1" latinLnBrk="0" hangingPunct="1">
+              <a:lnSpc>
+                <a:spcPct val="90000"/>
+              </a:lnSpc>
+              <a:spcBef>
+                <a:spcPts val="500"/>
+              </a:spcBef>
+              <a:buFont typeface="Arial" panose="020B0604020202020204" pitchFamily="34" charset="0"/>
+              <a:buNone/>
+              <a:defRPr sz="1600" kern="1200">
+                <a:solidFill>
+                  <a:schemeClr val="tx1"/>
+                </a:solidFill>
+                <a:latin typeface="+mn-lt"/>
+                <a:ea typeface="+mn-ea"/>
+                <a:cs typeface="+mn-cs"/>
+              </a:defRPr>
+            </a:lvl9pPr>
+          </a:lstStyle>
+          <a:p>
+            <a:r>
+              <a:rPr lang="en-US" sz="1000" smtClean="0"/>
+              <a:t>KH KS</a:t>
+            </a:r>
+            <a:endParaRPr lang="en-US" sz="1000" dirty="0"/>
           </a:p>
         </p:txBody>
       </p:sp>
     </p:spTree>
     <p:extLst>
       <p:ext uri="{BB962C8B-B14F-4D97-AF65-F5344CB8AC3E}">
-        <p14:creationId xmlns:p14="http://schemas.microsoft.com/office/powerpoint/2010/main" val="1111205701"/>
+        <p14:creationId xmlns:p14="http://schemas.microsoft.com/office/powerpoint/2010/main" val="479197120"/>
       </p:ext>
     </p:extLst>
   </p:cSld>
@@ -3726,229 +5313,174 @@
           <a:chExt cx="0" cy="0"/>
         </a:xfrm>
       </p:grpSpPr>
-      <p:sp>
-        <p:nvSpPr>
-          <p:cNvPr id="2" name="Title 1"/>
-          <p:cNvSpPr>
-            <a:spLocks noGrp="1"/>
-          </p:cNvSpPr>
-          <p:nvPr>
-            <p:ph type="title"/>
-          </p:nvPr>
-        </p:nvSpPr>
-        <p:spPr/>
-        <p:txBody>
-          <a:bodyPr/>
-          <a:lstStyle/>
-          <a:p>
-            <a:r>
-              <a:rPr lang="en-US" dirty="0"/>
-              <a:t>Project Status</a:t>
-            </a:r>
-          </a:p>
-        </p:txBody>
-      </p:sp>
-      <p:sp>
-        <p:nvSpPr>
-          <p:cNvPr id="3" name="Content Placeholder 2"/>
-          <p:cNvSpPr>
-            <a:spLocks noGrp="1"/>
-          </p:cNvSpPr>
-          <p:nvPr>
-            <p:ph idx="1"/>
-          </p:nvPr>
-        </p:nvSpPr>
-        <p:spPr/>
-        <p:txBody>
-          <a:bodyPr>
-            <a:normAutofit/>
-          </a:bodyPr>
-          <a:lstStyle/>
-          <a:p>
-            <a:r>
-              <a:rPr lang="en-US" dirty="0"/>
-              <a:t>30% </a:t>
-            </a:r>
-            <a:r>
-              <a:rPr lang="en-US" dirty="0" smtClean="0"/>
-              <a:t>// </a:t>
-            </a:r>
-            <a:r>
-              <a:rPr lang="en-US" dirty="0"/>
-              <a:t>Done (Deck </a:t>
-            </a:r>
-            <a:r>
-              <a:rPr lang="en-US" dirty="0" smtClean="0"/>
-              <a:t>Built</a:t>
-            </a:r>
-            <a:r>
-              <a:rPr lang="en-US" dirty="0"/>
-              <a:t>, </a:t>
-            </a:r>
-            <a:r>
-              <a:rPr lang="en-US" dirty="0" smtClean="0"/>
-              <a:t>Server Runs, </a:t>
-            </a:r>
-            <a:r>
-              <a:rPr lang="en-US" dirty="0"/>
-              <a:t>GUI </a:t>
-            </a:r>
-            <a:r>
-              <a:rPr lang="en-US" dirty="0" smtClean="0"/>
-              <a:t>Started</a:t>
-            </a:r>
-            <a:r>
-              <a:rPr lang="en-US" dirty="0"/>
-              <a:t>)</a:t>
-            </a:r>
-          </a:p>
-          <a:p>
-            <a:r>
-              <a:rPr lang="en-US" dirty="0"/>
-              <a:t>40% </a:t>
-            </a:r>
-            <a:r>
-              <a:rPr lang="en-US" dirty="0" smtClean="0"/>
-              <a:t>// Server </a:t>
-            </a:r>
-            <a:r>
-              <a:rPr lang="en-US" dirty="0"/>
-              <a:t>Game Logic </a:t>
-            </a:r>
-            <a:r>
-              <a:rPr lang="en-US" dirty="0" smtClean="0"/>
-              <a:t>Started</a:t>
-            </a:r>
-            <a:endParaRPr lang="en-US" dirty="0"/>
-          </a:p>
-          <a:p>
-            <a:r>
-              <a:rPr lang="en-US" dirty="0"/>
-              <a:t>50% </a:t>
-            </a:r>
-            <a:r>
-              <a:rPr lang="en-US" dirty="0" smtClean="0"/>
-              <a:t>// </a:t>
-            </a:r>
-            <a:r>
-              <a:rPr lang="en-US" dirty="0"/>
-              <a:t>GUI </a:t>
-            </a:r>
-            <a:r>
-              <a:rPr lang="en-US" dirty="0" smtClean="0"/>
-              <a:t>Displays</a:t>
-            </a:r>
-            <a:r>
-              <a:rPr lang="en-US" dirty="0" smtClean="0"/>
-              <a:t> </a:t>
-            </a:r>
-            <a:r>
-              <a:rPr lang="en-US" dirty="0"/>
-              <a:t>C</a:t>
-            </a:r>
-            <a:r>
-              <a:rPr lang="en-US" dirty="0" smtClean="0"/>
-              <a:t>orrect Cards</a:t>
-            </a:r>
-            <a:endParaRPr lang="en-US" dirty="0"/>
-          </a:p>
-          <a:p>
-            <a:r>
-              <a:rPr lang="en-US" dirty="0" smtClean="0"/>
-              <a:t>70</a:t>
-            </a:r>
-            <a:r>
-              <a:rPr lang="en-US" dirty="0"/>
-              <a:t>% </a:t>
-            </a:r>
-            <a:r>
-              <a:rPr lang="en-US" dirty="0" smtClean="0"/>
-              <a:t>// </a:t>
-            </a:r>
-            <a:r>
-              <a:rPr lang="en-US" dirty="0" smtClean="0"/>
-              <a:t>All </a:t>
-            </a:r>
-            <a:r>
-              <a:rPr lang="en-US" dirty="0"/>
-              <a:t>C</a:t>
-            </a:r>
-            <a:r>
-              <a:rPr lang="en-US" dirty="0" smtClean="0"/>
-              <a:t>oding Completed</a:t>
-            </a:r>
-            <a:endParaRPr lang="en-US" dirty="0"/>
-          </a:p>
-          <a:p>
-            <a:r>
-              <a:rPr lang="en-US" dirty="0"/>
-              <a:t>80% </a:t>
-            </a:r>
-            <a:r>
-              <a:rPr lang="en-US" dirty="0" smtClean="0"/>
-              <a:t>// </a:t>
-            </a:r>
-            <a:r>
-              <a:rPr lang="en-US" dirty="0"/>
-              <a:t>Testing </a:t>
-            </a:r>
-            <a:r>
-              <a:rPr lang="en-US" dirty="0" smtClean="0"/>
-              <a:t>Begins</a:t>
-            </a:r>
-            <a:endParaRPr lang="en-US" dirty="0"/>
-          </a:p>
-          <a:p>
-            <a:r>
-              <a:rPr lang="en-US" dirty="0"/>
-              <a:t>90% </a:t>
-            </a:r>
-            <a:r>
-              <a:rPr lang="en-US" dirty="0" smtClean="0"/>
-              <a:t>// </a:t>
-            </a:r>
-            <a:r>
-              <a:rPr lang="en-US" dirty="0" smtClean="0"/>
-              <a:t>Final </a:t>
-            </a:r>
-            <a:r>
-              <a:rPr lang="en-US" dirty="0"/>
-              <a:t>C</a:t>
-            </a:r>
-            <a:r>
-              <a:rPr lang="en-US" dirty="0" smtClean="0"/>
-              <a:t>hanges </a:t>
-            </a:r>
-            <a:r>
-              <a:rPr lang="en-US" dirty="0"/>
-              <a:t>and </a:t>
-            </a:r>
-            <a:r>
-              <a:rPr lang="en-US" dirty="0" smtClean="0"/>
-              <a:t>Bug Fixes</a:t>
-            </a:r>
-            <a:endParaRPr lang="en-US" dirty="0"/>
-          </a:p>
-          <a:p>
-            <a:r>
-              <a:rPr lang="en-US" dirty="0"/>
-              <a:t>100</a:t>
-            </a:r>
-            <a:r>
-              <a:rPr lang="en-US" dirty="0" smtClean="0"/>
-              <a:t>% // </a:t>
-            </a:r>
-            <a:r>
-              <a:rPr lang="en-US" dirty="0"/>
-              <a:t>Final testing</a:t>
-            </a:r>
-          </a:p>
-        </p:txBody>
-      </p:sp>
+      <p:pic>
+        <p:nvPicPr>
+          <p:cNvPr id="4" name="Picture 3"/>
+          <p:cNvPicPr>
+            <a:picLocks noChangeAspect="1"/>
+          </p:cNvPicPr>
+          <p:nvPr/>
+        </p:nvPicPr>
+        <p:blipFill>
+          <a:blip r:embed="rId2">
+            <a:extLst>
+              <a:ext uri="{28A0092B-C50C-407E-A947-70E740481C1C}">
+                <a14:useLocalDpi xmlns:a14="http://schemas.microsoft.com/office/drawing/2010/main" val="0"/>
+              </a:ext>
+            </a:extLst>
+          </a:blip>
+          <a:stretch>
+            <a:fillRect/>
+          </a:stretch>
+        </p:blipFill>
+        <p:spPr>
+          <a:xfrm>
+            <a:off x="2235843" y="1"/>
+            <a:ext cx="7720314" cy="6858000"/>
+          </a:xfrm>
+          <a:prstGeom prst="rect">
+            <a:avLst/>
+          </a:prstGeom>
+        </p:spPr>
+      </p:pic>
     </p:spTree>
     <p:extLst>
       <p:ext uri="{BB962C8B-B14F-4D97-AF65-F5344CB8AC3E}">
-        <p14:creationId xmlns:p14="http://schemas.microsoft.com/office/powerpoint/2010/main" val="3652476309"/>
+        <p14:creationId xmlns:p14="http://schemas.microsoft.com/office/powerpoint/2010/main" val="2097639565"/>
+      </p:ext>
+    </p:extLst>
+  </p:cSld>
+  <p:clrMapOvr>
+    <a:masterClrMapping/>
+  </p:clrMapOvr>
+  <p:timing>
+    <p:tnLst>
+      <p:par>
+        <p:cTn id="1" dur="indefinite" restart="never" nodeType="tmRoot"/>
+      </p:par>
+    </p:tnLst>
+  </p:timing>
+</p:sld>
+</file>
+
+<file path=ppt/slides/slide8.xml><?xml version="1.0" encoding="utf-8"?>
+<p:sld xmlns:a="http://schemas.openxmlformats.org/drawingml/2006/main" xmlns:r="http://schemas.openxmlformats.org/officeDocument/2006/relationships" xmlns:p="http://schemas.openxmlformats.org/presentationml/2006/main">
+  <p:cSld>
+    <p:spTree>
+      <p:nvGrpSpPr>
+        <p:cNvPr id="1" name=""/>
+        <p:cNvGrpSpPr/>
+        <p:nvPr/>
+      </p:nvGrpSpPr>
+      <p:grpSpPr>
+        <a:xfrm>
+          <a:off x="0" y="0"/>
+          <a:ext cx="0" cy="0"/>
+          <a:chOff x="0" y="0"/>
+          <a:chExt cx="0" cy="0"/>
+        </a:xfrm>
+      </p:grpSpPr>
+      <p:pic>
+        <p:nvPicPr>
+          <p:cNvPr id="2" name="Picture 1"/>
+          <p:cNvPicPr>
+            <a:picLocks noChangeAspect="1"/>
+          </p:cNvPicPr>
+          <p:nvPr/>
+        </p:nvPicPr>
+        <p:blipFill>
+          <a:blip r:embed="rId2">
+            <a:extLst>
+              <a:ext uri="{28A0092B-C50C-407E-A947-70E740481C1C}">
+                <a14:useLocalDpi xmlns:a14="http://schemas.microsoft.com/office/drawing/2010/main" val="0"/>
+              </a:ext>
+            </a:extLst>
+          </a:blip>
+          <a:stretch>
+            <a:fillRect/>
+          </a:stretch>
+        </p:blipFill>
+        <p:spPr>
+          <a:xfrm>
+            <a:off x="1168400" y="247650"/>
+            <a:ext cx="9855200" cy="6362700"/>
+          </a:xfrm>
+          <a:prstGeom prst="rect">
+            <a:avLst/>
+          </a:prstGeom>
+        </p:spPr>
+      </p:pic>
+    </p:spTree>
+    <p:extLst>
+      <p:ext uri="{BB962C8B-B14F-4D97-AF65-F5344CB8AC3E}">
+        <p14:creationId xmlns:p14="http://schemas.microsoft.com/office/powerpoint/2010/main" val="85448545"/>
+      </p:ext>
+    </p:extLst>
+  </p:cSld>
+  <p:clrMapOvr>
+    <a:masterClrMapping/>
+  </p:clrMapOvr>
+  <p:timing>
+    <p:tnLst>
+      <p:par>
+        <p:cTn id="1" dur="indefinite" restart="never" nodeType="tmRoot"/>
+      </p:par>
+    </p:tnLst>
+  </p:timing>
+</p:sld>
+</file>
+
+<file path=ppt/slides/slide9.xml><?xml version="1.0" encoding="utf-8"?>
+<p:sld xmlns:a="http://schemas.openxmlformats.org/drawingml/2006/main" xmlns:r="http://schemas.openxmlformats.org/officeDocument/2006/relationships" xmlns:p="http://schemas.openxmlformats.org/presentationml/2006/main">
+  <p:cSld>
+    <p:spTree>
+      <p:nvGrpSpPr>
+        <p:cNvPr id="1" name=""/>
+        <p:cNvGrpSpPr/>
+        <p:nvPr/>
+      </p:nvGrpSpPr>
+      <p:grpSpPr>
+        <a:xfrm>
+          <a:off x="0" y="0"/>
+          <a:ext cx="0" cy="0"/>
+          <a:chOff x="0" y="0"/>
+          <a:chExt cx="0" cy="0"/>
+        </a:xfrm>
+      </p:grpSpPr>
+      <p:pic>
+        <p:nvPicPr>
+          <p:cNvPr id="3" name="Picture 2"/>
+          <p:cNvPicPr>
+            <a:picLocks noChangeAspect="1"/>
+          </p:cNvPicPr>
+          <p:nvPr/>
+        </p:nvPicPr>
+        <p:blipFill>
+          <a:blip r:embed="rId2" cstate="print">
+            <a:extLst>
+              <a:ext uri="{28A0092B-C50C-407E-A947-70E740481C1C}">
+                <a14:useLocalDpi xmlns:a14="http://schemas.microsoft.com/office/drawing/2010/main" val="0"/>
+              </a:ext>
+            </a:extLst>
+          </a:blip>
+          <a:stretch>
+            <a:fillRect/>
+          </a:stretch>
+        </p:blipFill>
+        <p:spPr>
+          <a:xfrm rot="5400000">
+            <a:off x="3050608" y="-650351"/>
+            <a:ext cx="6340604" cy="8205486"/>
+          </a:xfrm>
+          <a:prstGeom prst="rect">
+            <a:avLst/>
+          </a:prstGeom>
+        </p:spPr>
+      </p:pic>
+    </p:spTree>
+    <p:extLst>
+      <p:ext uri="{BB962C8B-B14F-4D97-AF65-F5344CB8AC3E}">
+        <p14:creationId xmlns:p14="http://schemas.microsoft.com/office/powerpoint/2010/main" val="3576494144"/>
       </p:ext>
     </p:extLst>
   </p:cSld>

--- a/ProjectPresentation.pptx
+++ b/ProjectPresentation.pptx
@@ -8,17 +8,16 @@
     <p:sldId id="269" r:id="rId2"/>
     <p:sldId id="278" r:id="rId3"/>
     <p:sldId id="258" r:id="rId4"/>
-    <p:sldId id="280" r:id="rId5"/>
-    <p:sldId id="283" r:id="rId6"/>
-    <p:sldId id="271" r:id="rId7"/>
-    <p:sldId id="270" r:id="rId8"/>
-    <p:sldId id="272" r:id="rId9"/>
-    <p:sldId id="276" r:id="rId10"/>
-    <p:sldId id="281" r:id="rId11"/>
-    <p:sldId id="282" r:id="rId12"/>
-    <p:sldId id="273" r:id="rId13"/>
-    <p:sldId id="261" r:id="rId14"/>
-    <p:sldId id="262" r:id="rId15"/>
+    <p:sldId id="283" r:id="rId5"/>
+    <p:sldId id="271" r:id="rId6"/>
+    <p:sldId id="270" r:id="rId7"/>
+    <p:sldId id="272" r:id="rId8"/>
+    <p:sldId id="276" r:id="rId9"/>
+    <p:sldId id="281" r:id="rId10"/>
+    <p:sldId id="282" r:id="rId11"/>
+    <p:sldId id="273" r:id="rId12"/>
+    <p:sldId id="261" r:id="rId13"/>
+    <p:sldId id="262" r:id="rId14"/>
   </p:sldIdLst>
   <p:sldSz cx="12192000" cy="6858000"/>
   <p:notesSz cx="6858000" cy="9144000"/>
@@ -3194,8 +3193,8 @@
         </p:blipFill>
         <p:spPr>
           <a:xfrm rot="5400000">
-            <a:off x="3039784" y="-658157"/>
-            <a:ext cx="6345689" cy="8212066"/>
+            <a:off x="2997913" y="-595939"/>
+            <a:ext cx="6256205" cy="8096266"/>
           </a:xfrm>
           <a:prstGeom prst="rect">
             <a:avLst/>
@@ -3205,7 +3204,7 @@
     </p:spTree>
     <p:extLst>
       <p:ext uri="{BB962C8B-B14F-4D97-AF65-F5344CB8AC3E}">
-        <p14:creationId xmlns:p14="http://schemas.microsoft.com/office/powerpoint/2010/main" val="2452140126"/>
+        <p14:creationId xmlns:p14="http://schemas.microsoft.com/office/powerpoint/2010/main" val="2992539910"/>
       </p:ext>
     </p:extLst>
   </p:cSld>
@@ -3239,40 +3238,254 @@
           <a:chExt cx="0" cy="0"/>
         </a:xfrm>
       </p:grpSpPr>
-      <p:pic>
-        <p:nvPicPr>
-          <p:cNvPr id="2" name="Picture 1"/>
-          <p:cNvPicPr>
-            <a:picLocks noChangeAspect="1"/>
-          </p:cNvPicPr>
+      <p:sp>
+        <p:nvSpPr>
+          <p:cNvPr id="2" name="Title 1"/>
+          <p:cNvSpPr>
+            <a:spLocks noGrp="1"/>
+          </p:cNvSpPr>
+          <p:nvPr>
+            <p:ph type="ctrTitle"/>
+          </p:nvPr>
+        </p:nvSpPr>
+        <p:spPr/>
+        <p:txBody>
+          <a:bodyPr>
+            <a:normAutofit/>
+          </a:bodyPr>
+          <a:lstStyle/>
+          <a:p>
+            <a:r>
+              <a:rPr lang="en-US" sz="10000" dirty="0" smtClean="0">
+                <a:latin typeface="+mn-lt"/>
+              </a:rPr>
+              <a:t>Demonstration</a:t>
+            </a:r>
+            <a:endParaRPr lang="en-US" sz="10000" dirty="0">
+              <a:latin typeface="+mn-lt"/>
+            </a:endParaRPr>
+          </a:p>
+        </p:txBody>
+      </p:sp>
+      <p:sp>
+        <p:nvSpPr>
+          <p:cNvPr id="5" name="Subtitle 4"/>
+          <p:cNvSpPr>
+            <a:spLocks noGrp="1"/>
+          </p:cNvSpPr>
+          <p:nvPr>
+            <p:ph type="subTitle" idx="1"/>
+          </p:nvPr>
+        </p:nvSpPr>
+        <p:spPr/>
+        <p:txBody>
+          <a:bodyPr>
+            <a:normAutofit/>
+          </a:bodyPr>
+          <a:lstStyle/>
+          <a:p>
+            <a:endParaRPr lang="en-US" dirty="0"/>
+          </a:p>
+        </p:txBody>
+      </p:sp>
+      <p:sp>
+        <p:nvSpPr>
+          <p:cNvPr id="4" name="Subtitle 4"/>
+          <p:cNvSpPr txBox="1">
+            <a:spLocks/>
+          </p:cNvSpPr>
           <p:nvPr/>
-        </p:nvPicPr>
-        <p:blipFill>
-          <a:blip r:embed="rId2" cstate="print">
-            <a:extLst>
-              <a:ext uri="{28A0092B-C50C-407E-A947-70E740481C1C}">
-                <a14:useLocalDpi xmlns:a14="http://schemas.microsoft.com/office/drawing/2010/main" val="0"/>
-              </a:ext>
-            </a:extLst>
-          </a:blip>
-          <a:stretch>
-            <a:fillRect/>
-          </a:stretch>
-        </p:blipFill>
+        </p:nvSpPr>
         <p:spPr>
-          <a:xfrm rot="5400000">
-            <a:off x="2997913" y="-595939"/>
-            <a:ext cx="6256205" cy="8096266"/>
+          <a:xfrm>
+            <a:off x="-420547" y="6621874"/>
+            <a:ext cx="1392820" cy="472251"/>
           </a:xfrm>
           <a:prstGeom prst="rect">
             <a:avLst/>
           </a:prstGeom>
         </p:spPr>
-      </p:pic>
+        <p:txBody>
+          <a:bodyPr vert="horz" lIns="91440" tIns="45720" rIns="91440" bIns="45720" rtlCol="0">
+            <a:noAutofit/>
+          </a:bodyPr>
+          <a:lstStyle>
+            <a:lvl1pPr marL="0" indent="0" algn="ctr" defTabSz="914400" rtl="0" eaLnBrk="1" latinLnBrk="0" hangingPunct="1">
+              <a:lnSpc>
+                <a:spcPct val="90000"/>
+              </a:lnSpc>
+              <a:spcBef>
+                <a:spcPts val="1000"/>
+              </a:spcBef>
+              <a:buFont typeface="Arial" panose="020B0604020202020204" pitchFamily="34" charset="0"/>
+              <a:buNone/>
+              <a:defRPr sz="2400" kern="1200">
+                <a:solidFill>
+                  <a:schemeClr val="tx1"/>
+                </a:solidFill>
+                <a:latin typeface="+mn-lt"/>
+                <a:ea typeface="+mn-ea"/>
+                <a:cs typeface="+mn-cs"/>
+              </a:defRPr>
+            </a:lvl1pPr>
+            <a:lvl2pPr marL="457200" indent="0" algn="ctr" defTabSz="914400" rtl="0" eaLnBrk="1" latinLnBrk="0" hangingPunct="1">
+              <a:lnSpc>
+                <a:spcPct val="90000"/>
+              </a:lnSpc>
+              <a:spcBef>
+                <a:spcPts val="500"/>
+              </a:spcBef>
+              <a:buFont typeface="Arial" panose="020B0604020202020204" pitchFamily="34" charset="0"/>
+              <a:buNone/>
+              <a:defRPr sz="2000" kern="1200">
+                <a:solidFill>
+                  <a:schemeClr val="tx1"/>
+                </a:solidFill>
+                <a:latin typeface="+mn-lt"/>
+                <a:ea typeface="+mn-ea"/>
+                <a:cs typeface="+mn-cs"/>
+              </a:defRPr>
+            </a:lvl2pPr>
+            <a:lvl3pPr marL="914400" indent="0" algn="ctr" defTabSz="914400" rtl="0" eaLnBrk="1" latinLnBrk="0" hangingPunct="1">
+              <a:lnSpc>
+                <a:spcPct val="90000"/>
+              </a:lnSpc>
+              <a:spcBef>
+                <a:spcPts val="500"/>
+              </a:spcBef>
+              <a:buFont typeface="Arial" panose="020B0604020202020204" pitchFamily="34" charset="0"/>
+              <a:buNone/>
+              <a:defRPr sz="1800" kern="1200">
+                <a:solidFill>
+                  <a:schemeClr val="tx1"/>
+                </a:solidFill>
+                <a:latin typeface="+mn-lt"/>
+                <a:ea typeface="+mn-ea"/>
+                <a:cs typeface="+mn-cs"/>
+              </a:defRPr>
+            </a:lvl3pPr>
+            <a:lvl4pPr marL="1371600" indent="0" algn="ctr" defTabSz="914400" rtl="0" eaLnBrk="1" latinLnBrk="0" hangingPunct="1">
+              <a:lnSpc>
+                <a:spcPct val="90000"/>
+              </a:lnSpc>
+              <a:spcBef>
+                <a:spcPts val="500"/>
+              </a:spcBef>
+              <a:buFont typeface="Arial" panose="020B0604020202020204" pitchFamily="34" charset="0"/>
+              <a:buNone/>
+              <a:defRPr sz="1600" kern="1200">
+                <a:solidFill>
+                  <a:schemeClr val="tx1"/>
+                </a:solidFill>
+                <a:latin typeface="+mn-lt"/>
+                <a:ea typeface="+mn-ea"/>
+                <a:cs typeface="+mn-cs"/>
+              </a:defRPr>
+            </a:lvl4pPr>
+            <a:lvl5pPr marL="1828800" indent="0" algn="ctr" defTabSz="914400" rtl="0" eaLnBrk="1" latinLnBrk="0" hangingPunct="1">
+              <a:lnSpc>
+                <a:spcPct val="90000"/>
+              </a:lnSpc>
+              <a:spcBef>
+                <a:spcPts val="500"/>
+              </a:spcBef>
+              <a:buFont typeface="Arial" panose="020B0604020202020204" pitchFamily="34" charset="0"/>
+              <a:buNone/>
+              <a:defRPr sz="1600" kern="1200">
+                <a:solidFill>
+                  <a:schemeClr val="tx1"/>
+                </a:solidFill>
+                <a:latin typeface="+mn-lt"/>
+                <a:ea typeface="+mn-ea"/>
+                <a:cs typeface="+mn-cs"/>
+              </a:defRPr>
+            </a:lvl5pPr>
+            <a:lvl6pPr marL="2286000" indent="0" algn="ctr" defTabSz="914400" rtl="0" eaLnBrk="1" latinLnBrk="0" hangingPunct="1">
+              <a:lnSpc>
+                <a:spcPct val="90000"/>
+              </a:lnSpc>
+              <a:spcBef>
+                <a:spcPts val="500"/>
+              </a:spcBef>
+              <a:buFont typeface="Arial" panose="020B0604020202020204" pitchFamily="34" charset="0"/>
+              <a:buNone/>
+              <a:defRPr sz="1600" kern="1200">
+                <a:solidFill>
+                  <a:schemeClr val="tx1"/>
+                </a:solidFill>
+                <a:latin typeface="+mn-lt"/>
+                <a:ea typeface="+mn-ea"/>
+                <a:cs typeface="+mn-cs"/>
+              </a:defRPr>
+            </a:lvl6pPr>
+            <a:lvl7pPr marL="2743200" indent="0" algn="ctr" defTabSz="914400" rtl="0" eaLnBrk="1" latinLnBrk="0" hangingPunct="1">
+              <a:lnSpc>
+                <a:spcPct val="90000"/>
+              </a:lnSpc>
+              <a:spcBef>
+                <a:spcPts val="500"/>
+              </a:spcBef>
+              <a:buFont typeface="Arial" panose="020B0604020202020204" pitchFamily="34" charset="0"/>
+              <a:buNone/>
+              <a:defRPr sz="1600" kern="1200">
+                <a:solidFill>
+                  <a:schemeClr val="tx1"/>
+                </a:solidFill>
+                <a:latin typeface="+mn-lt"/>
+                <a:ea typeface="+mn-ea"/>
+                <a:cs typeface="+mn-cs"/>
+              </a:defRPr>
+            </a:lvl7pPr>
+            <a:lvl8pPr marL="3200400" indent="0" algn="ctr" defTabSz="914400" rtl="0" eaLnBrk="1" latinLnBrk="0" hangingPunct="1">
+              <a:lnSpc>
+                <a:spcPct val="90000"/>
+              </a:lnSpc>
+              <a:spcBef>
+                <a:spcPts val="500"/>
+              </a:spcBef>
+              <a:buFont typeface="Arial" panose="020B0604020202020204" pitchFamily="34" charset="0"/>
+              <a:buNone/>
+              <a:defRPr sz="1600" kern="1200">
+                <a:solidFill>
+                  <a:schemeClr val="tx1"/>
+                </a:solidFill>
+                <a:latin typeface="+mn-lt"/>
+                <a:ea typeface="+mn-ea"/>
+                <a:cs typeface="+mn-cs"/>
+              </a:defRPr>
+            </a:lvl8pPr>
+            <a:lvl9pPr marL="3657600" indent="0" algn="ctr" defTabSz="914400" rtl="0" eaLnBrk="1" latinLnBrk="0" hangingPunct="1">
+              <a:lnSpc>
+                <a:spcPct val="90000"/>
+              </a:lnSpc>
+              <a:spcBef>
+                <a:spcPts val="500"/>
+              </a:spcBef>
+              <a:buFont typeface="Arial" panose="020B0604020202020204" pitchFamily="34" charset="0"/>
+              <a:buNone/>
+              <a:defRPr sz="1600" kern="1200">
+                <a:solidFill>
+                  <a:schemeClr val="tx1"/>
+                </a:solidFill>
+                <a:latin typeface="+mn-lt"/>
+                <a:ea typeface="+mn-ea"/>
+                <a:cs typeface="+mn-cs"/>
+              </a:defRPr>
+            </a:lvl9pPr>
+          </a:lstStyle>
+          <a:p>
+            <a:r>
+              <a:rPr lang="en-US" sz="1000" dirty="0" smtClean="0"/>
+              <a:t>TC</a:t>
+            </a:r>
+            <a:endParaRPr lang="en-US" sz="1000" dirty="0"/>
+          </a:p>
+        </p:txBody>
+      </p:sp>
     </p:spTree>
     <p:extLst>
       <p:ext uri="{BB962C8B-B14F-4D97-AF65-F5344CB8AC3E}">
-        <p14:creationId xmlns:p14="http://schemas.microsoft.com/office/powerpoint/2010/main" val="2992539910"/>
+        <p14:creationId xmlns:p14="http://schemas.microsoft.com/office/powerpoint/2010/main" val="3533279343"/>
       </p:ext>
     </p:extLst>
   </p:cSld>
@@ -3313,287 +3526,6 @@
             <a:spLocks noGrp="1"/>
           </p:cNvSpPr>
           <p:nvPr>
-            <p:ph type="ctrTitle"/>
-          </p:nvPr>
-        </p:nvSpPr>
-        <p:spPr/>
-        <p:txBody>
-          <a:bodyPr>
-            <a:normAutofit/>
-          </a:bodyPr>
-          <a:lstStyle/>
-          <a:p>
-            <a:r>
-              <a:rPr lang="en-US" sz="10000" dirty="0" smtClean="0">
-                <a:latin typeface="+mn-lt"/>
-              </a:rPr>
-              <a:t>Demonstration</a:t>
-            </a:r>
-            <a:endParaRPr lang="en-US" sz="10000" dirty="0">
-              <a:latin typeface="+mn-lt"/>
-            </a:endParaRPr>
-          </a:p>
-        </p:txBody>
-      </p:sp>
-      <p:sp>
-        <p:nvSpPr>
-          <p:cNvPr id="5" name="Subtitle 4"/>
-          <p:cNvSpPr>
-            <a:spLocks noGrp="1"/>
-          </p:cNvSpPr>
-          <p:nvPr>
-            <p:ph type="subTitle" idx="1"/>
-          </p:nvPr>
-        </p:nvSpPr>
-        <p:spPr/>
-        <p:txBody>
-          <a:bodyPr>
-            <a:normAutofit/>
-          </a:bodyPr>
-          <a:lstStyle/>
-          <a:p>
-            <a:endParaRPr lang="en-US" dirty="0"/>
-          </a:p>
-        </p:txBody>
-      </p:sp>
-      <p:sp>
-        <p:nvSpPr>
-          <p:cNvPr id="4" name="Subtitle 4"/>
-          <p:cNvSpPr txBox="1">
-            <a:spLocks/>
-          </p:cNvSpPr>
-          <p:nvPr/>
-        </p:nvSpPr>
-        <p:spPr>
-          <a:xfrm>
-            <a:off x="-420547" y="6621874"/>
-            <a:ext cx="1392820" cy="472251"/>
-          </a:xfrm>
-          <a:prstGeom prst="rect">
-            <a:avLst/>
-          </a:prstGeom>
-        </p:spPr>
-        <p:txBody>
-          <a:bodyPr vert="horz" lIns="91440" tIns="45720" rIns="91440" bIns="45720" rtlCol="0">
-            <a:noAutofit/>
-          </a:bodyPr>
-          <a:lstStyle>
-            <a:lvl1pPr marL="0" indent="0" algn="ctr" defTabSz="914400" rtl="0" eaLnBrk="1" latinLnBrk="0" hangingPunct="1">
-              <a:lnSpc>
-                <a:spcPct val="90000"/>
-              </a:lnSpc>
-              <a:spcBef>
-                <a:spcPts val="1000"/>
-              </a:spcBef>
-              <a:buFont typeface="Arial" panose="020B0604020202020204" pitchFamily="34" charset="0"/>
-              <a:buNone/>
-              <a:defRPr sz="2400" kern="1200">
-                <a:solidFill>
-                  <a:schemeClr val="tx1"/>
-                </a:solidFill>
-                <a:latin typeface="+mn-lt"/>
-                <a:ea typeface="+mn-ea"/>
-                <a:cs typeface="+mn-cs"/>
-              </a:defRPr>
-            </a:lvl1pPr>
-            <a:lvl2pPr marL="457200" indent="0" algn="ctr" defTabSz="914400" rtl="0" eaLnBrk="1" latinLnBrk="0" hangingPunct="1">
-              <a:lnSpc>
-                <a:spcPct val="90000"/>
-              </a:lnSpc>
-              <a:spcBef>
-                <a:spcPts val="500"/>
-              </a:spcBef>
-              <a:buFont typeface="Arial" panose="020B0604020202020204" pitchFamily="34" charset="0"/>
-              <a:buNone/>
-              <a:defRPr sz="2000" kern="1200">
-                <a:solidFill>
-                  <a:schemeClr val="tx1"/>
-                </a:solidFill>
-                <a:latin typeface="+mn-lt"/>
-                <a:ea typeface="+mn-ea"/>
-                <a:cs typeface="+mn-cs"/>
-              </a:defRPr>
-            </a:lvl2pPr>
-            <a:lvl3pPr marL="914400" indent="0" algn="ctr" defTabSz="914400" rtl="0" eaLnBrk="1" latinLnBrk="0" hangingPunct="1">
-              <a:lnSpc>
-                <a:spcPct val="90000"/>
-              </a:lnSpc>
-              <a:spcBef>
-                <a:spcPts val="500"/>
-              </a:spcBef>
-              <a:buFont typeface="Arial" panose="020B0604020202020204" pitchFamily="34" charset="0"/>
-              <a:buNone/>
-              <a:defRPr sz="1800" kern="1200">
-                <a:solidFill>
-                  <a:schemeClr val="tx1"/>
-                </a:solidFill>
-                <a:latin typeface="+mn-lt"/>
-                <a:ea typeface="+mn-ea"/>
-                <a:cs typeface="+mn-cs"/>
-              </a:defRPr>
-            </a:lvl3pPr>
-            <a:lvl4pPr marL="1371600" indent="0" algn="ctr" defTabSz="914400" rtl="0" eaLnBrk="1" latinLnBrk="0" hangingPunct="1">
-              <a:lnSpc>
-                <a:spcPct val="90000"/>
-              </a:lnSpc>
-              <a:spcBef>
-                <a:spcPts val="500"/>
-              </a:spcBef>
-              <a:buFont typeface="Arial" panose="020B0604020202020204" pitchFamily="34" charset="0"/>
-              <a:buNone/>
-              <a:defRPr sz="1600" kern="1200">
-                <a:solidFill>
-                  <a:schemeClr val="tx1"/>
-                </a:solidFill>
-                <a:latin typeface="+mn-lt"/>
-                <a:ea typeface="+mn-ea"/>
-                <a:cs typeface="+mn-cs"/>
-              </a:defRPr>
-            </a:lvl4pPr>
-            <a:lvl5pPr marL="1828800" indent="0" algn="ctr" defTabSz="914400" rtl="0" eaLnBrk="1" latinLnBrk="0" hangingPunct="1">
-              <a:lnSpc>
-                <a:spcPct val="90000"/>
-              </a:lnSpc>
-              <a:spcBef>
-                <a:spcPts val="500"/>
-              </a:spcBef>
-              <a:buFont typeface="Arial" panose="020B0604020202020204" pitchFamily="34" charset="0"/>
-              <a:buNone/>
-              <a:defRPr sz="1600" kern="1200">
-                <a:solidFill>
-                  <a:schemeClr val="tx1"/>
-                </a:solidFill>
-                <a:latin typeface="+mn-lt"/>
-                <a:ea typeface="+mn-ea"/>
-                <a:cs typeface="+mn-cs"/>
-              </a:defRPr>
-            </a:lvl5pPr>
-            <a:lvl6pPr marL="2286000" indent="0" algn="ctr" defTabSz="914400" rtl="0" eaLnBrk="1" latinLnBrk="0" hangingPunct="1">
-              <a:lnSpc>
-                <a:spcPct val="90000"/>
-              </a:lnSpc>
-              <a:spcBef>
-                <a:spcPts val="500"/>
-              </a:spcBef>
-              <a:buFont typeface="Arial" panose="020B0604020202020204" pitchFamily="34" charset="0"/>
-              <a:buNone/>
-              <a:defRPr sz="1600" kern="1200">
-                <a:solidFill>
-                  <a:schemeClr val="tx1"/>
-                </a:solidFill>
-                <a:latin typeface="+mn-lt"/>
-                <a:ea typeface="+mn-ea"/>
-                <a:cs typeface="+mn-cs"/>
-              </a:defRPr>
-            </a:lvl6pPr>
-            <a:lvl7pPr marL="2743200" indent="0" algn="ctr" defTabSz="914400" rtl="0" eaLnBrk="1" latinLnBrk="0" hangingPunct="1">
-              <a:lnSpc>
-                <a:spcPct val="90000"/>
-              </a:lnSpc>
-              <a:spcBef>
-                <a:spcPts val="500"/>
-              </a:spcBef>
-              <a:buFont typeface="Arial" panose="020B0604020202020204" pitchFamily="34" charset="0"/>
-              <a:buNone/>
-              <a:defRPr sz="1600" kern="1200">
-                <a:solidFill>
-                  <a:schemeClr val="tx1"/>
-                </a:solidFill>
-                <a:latin typeface="+mn-lt"/>
-                <a:ea typeface="+mn-ea"/>
-                <a:cs typeface="+mn-cs"/>
-              </a:defRPr>
-            </a:lvl7pPr>
-            <a:lvl8pPr marL="3200400" indent="0" algn="ctr" defTabSz="914400" rtl="0" eaLnBrk="1" latinLnBrk="0" hangingPunct="1">
-              <a:lnSpc>
-                <a:spcPct val="90000"/>
-              </a:lnSpc>
-              <a:spcBef>
-                <a:spcPts val="500"/>
-              </a:spcBef>
-              <a:buFont typeface="Arial" panose="020B0604020202020204" pitchFamily="34" charset="0"/>
-              <a:buNone/>
-              <a:defRPr sz="1600" kern="1200">
-                <a:solidFill>
-                  <a:schemeClr val="tx1"/>
-                </a:solidFill>
-                <a:latin typeface="+mn-lt"/>
-                <a:ea typeface="+mn-ea"/>
-                <a:cs typeface="+mn-cs"/>
-              </a:defRPr>
-            </a:lvl8pPr>
-            <a:lvl9pPr marL="3657600" indent="0" algn="ctr" defTabSz="914400" rtl="0" eaLnBrk="1" latinLnBrk="0" hangingPunct="1">
-              <a:lnSpc>
-                <a:spcPct val="90000"/>
-              </a:lnSpc>
-              <a:spcBef>
-                <a:spcPts val="500"/>
-              </a:spcBef>
-              <a:buFont typeface="Arial" panose="020B0604020202020204" pitchFamily="34" charset="0"/>
-              <a:buNone/>
-              <a:defRPr sz="1600" kern="1200">
-                <a:solidFill>
-                  <a:schemeClr val="tx1"/>
-                </a:solidFill>
-                <a:latin typeface="+mn-lt"/>
-                <a:ea typeface="+mn-ea"/>
-                <a:cs typeface="+mn-cs"/>
-              </a:defRPr>
-            </a:lvl9pPr>
-          </a:lstStyle>
-          <a:p>
-            <a:r>
-              <a:rPr lang="en-US" sz="1000" dirty="0" smtClean="0"/>
-              <a:t>TC</a:t>
-            </a:r>
-            <a:endParaRPr lang="en-US" sz="1000" dirty="0"/>
-          </a:p>
-        </p:txBody>
-      </p:sp>
-    </p:spTree>
-    <p:extLst>
-      <p:ext uri="{BB962C8B-B14F-4D97-AF65-F5344CB8AC3E}">
-        <p14:creationId xmlns:p14="http://schemas.microsoft.com/office/powerpoint/2010/main" val="3533279343"/>
-      </p:ext>
-    </p:extLst>
-  </p:cSld>
-  <p:clrMapOvr>
-    <a:masterClrMapping/>
-  </p:clrMapOvr>
-  <p:timing>
-    <p:tnLst>
-      <p:par>
-        <p:cTn id="1" dur="indefinite" restart="never" nodeType="tmRoot"/>
-      </p:par>
-    </p:tnLst>
-  </p:timing>
-</p:sld>
-</file>
-
-<file path=ppt/slides/slide13.xml><?xml version="1.0" encoding="utf-8"?>
-<p:sld xmlns:a="http://schemas.openxmlformats.org/drawingml/2006/main" xmlns:r="http://schemas.openxmlformats.org/officeDocument/2006/relationships" xmlns:p="http://schemas.openxmlformats.org/presentationml/2006/main">
-  <p:cSld>
-    <p:spTree>
-      <p:nvGrpSpPr>
-        <p:cNvPr id="1" name=""/>
-        <p:cNvGrpSpPr/>
-        <p:nvPr/>
-      </p:nvGrpSpPr>
-      <p:grpSpPr>
-        <a:xfrm>
-          <a:off x="0" y="0"/>
-          <a:ext cx="0" cy="0"/>
-          <a:chOff x="0" y="0"/>
-          <a:chExt cx="0" cy="0"/>
-        </a:xfrm>
-      </p:grpSpPr>
-      <p:sp>
-        <p:nvSpPr>
-          <p:cNvPr id="2" name="Title 1"/>
-          <p:cNvSpPr>
-            <a:spLocks noGrp="1"/>
-          </p:cNvSpPr>
-          <p:nvPr>
             <p:ph type="title"/>
           </p:nvPr>
         </p:nvSpPr>
@@ -3941,7 +3873,7 @@
 </p:sld>
 </file>
 
-<file path=ppt/slides/slide14.xml><?xml version="1.0" encoding="utf-8"?>
+<file path=ppt/slides/slide13.xml><?xml version="1.0" encoding="utf-8"?>
 <p:sld xmlns:a="http://schemas.openxmlformats.org/drawingml/2006/main" xmlns:r="http://schemas.openxmlformats.org/officeDocument/2006/relationships" xmlns:p="http://schemas.openxmlformats.org/presentationml/2006/main">
   <p:cSld>
     <p:spTree>
@@ -4717,8 +4649,12 @@
           <a:lstStyle/>
           <a:p>
             <a:r>
+              <a:rPr lang="en-US" dirty="0" smtClean="0"/>
+              <a:t>2-10 </a:t>
+            </a:r>
+            <a:r>
               <a:rPr lang="en-US" dirty="0"/>
-              <a:t>2 players</a:t>
+              <a:t>players</a:t>
             </a:r>
           </a:p>
           <a:p>
@@ -4846,23 +4782,31 @@
           <a:lstStyle/>
           <a:p>
             <a:r>
+              <a:rPr lang="en-US" dirty="0"/>
+              <a:t>Draw </a:t>
+            </a:r>
+            <a:r>
               <a:rPr lang="en-US" dirty="0" smtClean="0"/>
-              <a:t>Numbered Colored Cards</a:t>
+              <a:t>Pile</a:t>
             </a:r>
           </a:p>
           <a:p>
             <a:r>
               <a:rPr lang="en-US" dirty="0" smtClean="0"/>
-              <a:t>Action Cards </a:t>
-            </a:r>
-          </a:p>
-          <a:p>
+              <a:t>Discard Pile</a:t>
+            </a:r>
+          </a:p>
+          <a:p>
+            <a:r>
+              <a:rPr lang="en-US" dirty="0" smtClean="0"/>
+              <a:t>Players Hand</a:t>
+            </a:r>
             <a:endParaRPr lang="en-US" dirty="0"/>
           </a:p>
           <a:p>
-            <a:pPr marL="0" indent="0">
-              <a:buNone/>
-            </a:pPr>
+            <a:endParaRPr lang="en-US" dirty="0" smtClean="0"/>
+          </a:p>
+          <a:p>
             <a:endParaRPr lang="en-US" dirty="0"/>
           </a:p>
         </p:txBody>
@@ -4884,7 +4828,7 @@
           <a:p>
             <a:r>
               <a:rPr lang="en-US" dirty="0" smtClean="0"/>
-              <a:t>Features</a:t>
+              <a:t>Game Board</a:t>
             </a:r>
             <a:endParaRPr lang="en-US" dirty="0"/>
           </a:p>
@@ -4893,7 +4837,7 @@
     </p:spTree>
     <p:extLst>
       <p:ext uri="{BB962C8B-B14F-4D97-AF65-F5344CB8AC3E}">
-        <p14:creationId xmlns:p14="http://schemas.microsoft.com/office/powerpoint/2010/main" val="3536385389"/>
+        <p14:creationId xmlns:p14="http://schemas.microsoft.com/office/powerpoint/2010/main" val="4048338284"/>
       </p:ext>
     </p:extLst>
   </p:cSld>
@@ -4929,111 +4873,6 @@
       </p:grpSpPr>
       <p:sp>
         <p:nvSpPr>
-          <p:cNvPr id="3" name="Content Placeholder 2"/>
-          <p:cNvSpPr>
-            <a:spLocks noGrp="1"/>
-          </p:cNvSpPr>
-          <p:nvPr>
-            <p:ph idx="1"/>
-          </p:nvPr>
-        </p:nvSpPr>
-        <p:spPr/>
-        <p:txBody>
-          <a:bodyPr/>
-          <a:lstStyle/>
-          <a:p>
-            <a:r>
-              <a:rPr lang="en-US" dirty="0"/>
-              <a:t>Draw </a:t>
-            </a:r>
-            <a:r>
-              <a:rPr lang="en-US" dirty="0" smtClean="0"/>
-              <a:t>Pile</a:t>
-            </a:r>
-          </a:p>
-          <a:p>
-            <a:r>
-              <a:rPr lang="en-US" dirty="0" smtClean="0"/>
-              <a:t>Discard Pile</a:t>
-            </a:r>
-          </a:p>
-          <a:p>
-            <a:r>
-              <a:rPr lang="en-US" dirty="0" smtClean="0"/>
-              <a:t>Players Hand</a:t>
-            </a:r>
-            <a:endParaRPr lang="en-US" dirty="0"/>
-          </a:p>
-          <a:p>
-            <a:endParaRPr lang="en-US" dirty="0" smtClean="0"/>
-          </a:p>
-          <a:p>
-            <a:endParaRPr lang="en-US" dirty="0"/>
-          </a:p>
-        </p:txBody>
-      </p:sp>
-      <p:sp>
-        <p:nvSpPr>
-          <p:cNvPr id="4" name="Title 3"/>
-          <p:cNvSpPr>
-            <a:spLocks noGrp="1"/>
-          </p:cNvSpPr>
-          <p:nvPr>
-            <p:ph type="title"/>
-          </p:nvPr>
-        </p:nvSpPr>
-        <p:spPr/>
-        <p:txBody>
-          <a:bodyPr/>
-          <a:lstStyle/>
-          <a:p>
-            <a:r>
-              <a:rPr lang="en-US" dirty="0" smtClean="0"/>
-              <a:t>Game Board</a:t>
-            </a:r>
-            <a:endParaRPr lang="en-US" dirty="0"/>
-          </a:p>
-        </p:txBody>
-      </p:sp>
-    </p:spTree>
-    <p:extLst>
-      <p:ext uri="{BB962C8B-B14F-4D97-AF65-F5344CB8AC3E}">
-        <p14:creationId xmlns:p14="http://schemas.microsoft.com/office/powerpoint/2010/main" val="4048338284"/>
-      </p:ext>
-    </p:extLst>
-  </p:cSld>
-  <p:clrMapOvr>
-    <a:masterClrMapping/>
-  </p:clrMapOvr>
-  <p:timing>
-    <p:tnLst>
-      <p:par>
-        <p:cTn id="1" dur="indefinite" restart="never" nodeType="tmRoot"/>
-      </p:par>
-    </p:tnLst>
-  </p:timing>
-</p:sld>
-</file>
-
-<file path=ppt/slides/slide6.xml><?xml version="1.0" encoding="utf-8"?>
-<p:sld xmlns:a="http://schemas.openxmlformats.org/drawingml/2006/main" xmlns:r="http://schemas.openxmlformats.org/officeDocument/2006/relationships" xmlns:p="http://schemas.openxmlformats.org/presentationml/2006/main">
-  <p:cSld>
-    <p:spTree>
-      <p:nvGrpSpPr>
-        <p:cNvPr id="1" name=""/>
-        <p:cNvGrpSpPr/>
-        <p:nvPr/>
-      </p:nvGrpSpPr>
-      <p:grpSpPr>
-        <a:xfrm>
-          <a:off x="0" y="0"/>
-          <a:ext cx="0" cy="0"/>
-          <a:chOff x="0" y="0"/>
-          <a:chExt cx="0" cy="0"/>
-        </a:xfrm>
-      </p:grpSpPr>
-      <p:sp>
-        <p:nvSpPr>
           <p:cNvPr id="2" name="Title 1"/>
           <p:cNvSpPr>
             <a:spLocks noGrp="1"/>
@@ -5296,7 +5135,7 @@
 </p:sld>
 </file>
 
-<file path=ppt/slides/slide7.xml><?xml version="1.0" encoding="utf-8"?>
+<file path=ppt/slides/slide6.xml><?xml version="1.0" encoding="utf-8"?>
 <p:sld xmlns:a="http://schemas.openxmlformats.org/drawingml/2006/main" xmlns:r="http://schemas.openxmlformats.org/officeDocument/2006/relationships" xmlns:p="http://schemas.openxmlformats.org/presentationml/2006/main">
   <p:cSld>
     <p:spTree>
@@ -5363,7 +5202,7 @@
 </p:sld>
 </file>
 
-<file path=ppt/slides/slide8.xml><?xml version="1.0" encoding="utf-8"?>
+<file path=ppt/slides/slide7.xml><?xml version="1.0" encoding="utf-8"?>
 <p:sld xmlns:a="http://schemas.openxmlformats.org/drawingml/2006/main" xmlns:r="http://schemas.openxmlformats.org/officeDocument/2006/relationships" xmlns:p="http://schemas.openxmlformats.org/presentationml/2006/main">
   <p:cSld>
     <p:spTree>
@@ -5430,7 +5269,7 @@
 </p:sld>
 </file>
 
-<file path=ppt/slides/slide9.xml><?xml version="1.0" encoding="utf-8"?>
+<file path=ppt/slides/slide8.xml><?xml version="1.0" encoding="utf-8"?>
 <p:sld xmlns:a="http://schemas.openxmlformats.org/drawingml/2006/main" xmlns:r="http://schemas.openxmlformats.org/officeDocument/2006/relationships" xmlns:p="http://schemas.openxmlformats.org/presentationml/2006/main">
   <p:cSld>
     <p:spTree>
@@ -5481,6 +5320,73 @@
     <p:extLst>
       <p:ext uri="{BB962C8B-B14F-4D97-AF65-F5344CB8AC3E}">
         <p14:creationId xmlns:p14="http://schemas.microsoft.com/office/powerpoint/2010/main" val="3576494144"/>
+      </p:ext>
+    </p:extLst>
+  </p:cSld>
+  <p:clrMapOvr>
+    <a:masterClrMapping/>
+  </p:clrMapOvr>
+  <p:timing>
+    <p:tnLst>
+      <p:par>
+        <p:cTn id="1" dur="indefinite" restart="never" nodeType="tmRoot"/>
+      </p:par>
+    </p:tnLst>
+  </p:timing>
+</p:sld>
+</file>
+
+<file path=ppt/slides/slide9.xml><?xml version="1.0" encoding="utf-8"?>
+<p:sld xmlns:a="http://schemas.openxmlformats.org/drawingml/2006/main" xmlns:r="http://schemas.openxmlformats.org/officeDocument/2006/relationships" xmlns:p="http://schemas.openxmlformats.org/presentationml/2006/main">
+  <p:cSld>
+    <p:spTree>
+      <p:nvGrpSpPr>
+        <p:cNvPr id="1" name=""/>
+        <p:cNvGrpSpPr/>
+        <p:nvPr/>
+      </p:nvGrpSpPr>
+      <p:grpSpPr>
+        <a:xfrm>
+          <a:off x="0" y="0"/>
+          <a:ext cx="0" cy="0"/>
+          <a:chOff x="0" y="0"/>
+          <a:chExt cx="0" cy="0"/>
+        </a:xfrm>
+      </p:grpSpPr>
+      <p:pic>
+        <p:nvPicPr>
+          <p:cNvPr id="2" name="Picture 1"/>
+          <p:cNvPicPr>
+            <a:picLocks noChangeAspect="1"/>
+          </p:cNvPicPr>
+          <p:nvPr/>
+        </p:nvPicPr>
+        <p:blipFill>
+          <a:blip r:embed="rId2" cstate="print">
+            <a:extLst>
+              <a:ext uri="{28A0092B-C50C-407E-A947-70E740481C1C}">
+                <a14:useLocalDpi xmlns:a14="http://schemas.microsoft.com/office/drawing/2010/main" val="0"/>
+              </a:ext>
+            </a:extLst>
+          </a:blip>
+          <a:stretch>
+            <a:fillRect/>
+          </a:stretch>
+        </p:blipFill>
+        <p:spPr>
+          <a:xfrm rot="5400000">
+            <a:off x="3039784" y="-658157"/>
+            <a:ext cx="6345689" cy="8212066"/>
+          </a:xfrm>
+          <a:prstGeom prst="rect">
+            <a:avLst/>
+          </a:prstGeom>
+        </p:spPr>
+      </p:pic>
+    </p:spTree>
+    <p:extLst>
+      <p:ext uri="{BB962C8B-B14F-4D97-AF65-F5344CB8AC3E}">
+        <p14:creationId xmlns:p14="http://schemas.microsoft.com/office/powerpoint/2010/main" val="2452140126"/>
       </p:ext>
     </p:extLst>
   </p:cSld>
